--- a/telas_prototipo.pptx
+++ b/telas_prototipo.pptx
@@ -6,6 +6,7 @@
   </p:sldMasterIdLst>
   <p:sldIdLst>
     <p:sldId id="256" r:id="rId2"/>
+    <p:sldId id="258" r:id="rId3"/>
   </p:sldIdLst>
   <p:sldSz cx="12192000" cy="6858000"/>
   <p:notesSz cx="6858000" cy="9144000"/>
@@ -104,6 +105,11 @@
       </a:defRPr>
     </a:lvl9pPr>
   </p:defaultTextStyle>
+  <p:extLst>
+    <p:ext uri="{EFAFB233-063F-42B5-8137-9DF3F51BA10A}">
+      <p15:sldGuideLst xmlns:p15="http://schemas.microsoft.com/office/powerpoint/2012/main"/>
+    </p:ext>
+  </p:extLst>
 </p:presentation>
 </file>
 
@@ -254,7 +260,7 @@
           <a:p>
             <a:fld id="{AD364283-C96A-4590-85A3-1F89AAF62885}" type="datetimeFigureOut">
               <a:rPr lang="pt-BR" smtClean="0"/>
-              <a:t>12/11/2023</a:t>
+              <a:t>19/11/2023</a:t>
             </a:fld>
             <a:endParaRPr lang="pt-BR"/>
           </a:p>
@@ -452,7 +458,7 @@
           <a:p>
             <a:fld id="{AD364283-C96A-4590-85A3-1F89AAF62885}" type="datetimeFigureOut">
               <a:rPr lang="pt-BR" smtClean="0"/>
-              <a:t>12/11/2023</a:t>
+              <a:t>19/11/2023</a:t>
             </a:fld>
             <a:endParaRPr lang="pt-BR"/>
           </a:p>
@@ -660,7 +666,7 @@
           <a:p>
             <a:fld id="{AD364283-C96A-4590-85A3-1F89AAF62885}" type="datetimeFigureOut">
               <a:rPr lang="pt-BR" smtClean="0"/>
-              <a:t>12/11/2023</a:t>
+              <a:t>19/11/2023</a:t>
             </a:fld>
             <a:endParaRPr lang="pt-BR"/>
           </a:p>
@@ -858,7 +864,7 @@
           <a:p>
             <a:fld id="{AD364283-C96A-4590-85A3-1F89AAF62885}" type="datetimeFigureOut">
               <a:rPr lang="pt-BR" smtClean="0"/>
-              <a:t>12/11/2023</a:t>
+              <a:t>19/11/2023</a:t>
             </a:fld>
             <a:endParaRPr lang="pt-BR"/>
           </a:p>
@@ -1133,7 +1139,7 @@
           <a:p>
             <a:fld id="{AD364283-C96A-4590-85A3-1F89AAF62885}" type="datetimeFigureOut">
               <a:rPr lang="pt-BR" smtClean="0"/>
-              <a:t>12/11/2023</a:t>
+              <a:t>19/11/2023</a:t>
             </a:fld>
             <a:endParaRPr lang="pt-BR"/>
           </a:p>
@@ -1398,7 +1404,7 @@
           <a:p>
             <a:fld id="{AD364283-C96A-4590-85A3-1F89AAF62885}" type="datetimeFigureOut">
               <a:rPr lang="pt-BR" smtClean="0"/>
-              <a:t>12/11/2023</a:t>
+              <a:t>19/11/2023</a:t>
             </a:fld>
             <a:endParaRPr lang="pt-BR"/>
           </a:p>
@@ -1810,7 +1816,7 @@
           <a:p>
             <a:fld id="{AD364283-C96A-4590-85A3-1F89AAF62885}" type="datetimeFigureOut">
               <a:rPr lang="pt-BR" smtClean="0"/>
-              <a:t>12/11/2023</a:t>
+              <a:t>19/11/2023</a:t>
             </a:fld>
             <a:endParaRPr lang="pt-BR"/>
           </a:p>
@@ -1951,7 +1957,7 @@
           <a:p>
             <a:fld id="{AD364283-C96A-4590-85A3-1F89AAF62885}" type="datetimeFigureOut">
               <a:rPr lang="pt-BR" smtClean="0"/>
-              <a:t>12/11/2023</a:t>
+              <a:t>19/11/2023</a:t>
             </a:fld>
             <a:endParaRPr lang="pt-BR"/>
           </a:p>
@@ -2064,7 +2070,7 @@
           <a:p>
             <a:fld id="{AD364283-C96A-4590-85A3-1F89AAF62885}" type="datetimeFigureOut">
               <a:rPr lang="pt-BR" smtClean="0"/>
-              <a:t>12/11/2023</a:t>
+              <a:t>19/11/2023</a:t>
             </a:fld>
             <a:endParaRPr lang="pt-BR"/>
           </a:p>
@@ -2375,7 +2381,7 @@
           <a:p>
             <a:fld id="{AD364283-C96A-4590-85A3-1F89AAF62885}" type="datetimeFigureOut">
               <a:rPr lang="pt-BR" smtClean="0"/>
-              <a:t>12/11/2023</a:t>
+              <a:t>19/11/2023</a:t>
             </a:fld>
             <a:endParaRPr lang="pt-BR"/>
           </a:p>
@@ -2663,7 +2669,7 @@
           <a:p>
             <a:fld id="{AD364283-C96A-4590-85A3-1F89AAF62885}" type="datetimeFigureOut">
               <a:rPr lang="pt-BR" smtClean="0"/>
-              <a:t>12/11/2023</a:t>
+              <a:t>19/11/2023</a:t>
             </a:fld>
             <a:endParaRPr lang="pt-BR"/>
           </a:p>
@@ -2904,7 +2910,7 @@
           <a:p>
             <a:fld id="{AD364283-C96A-4590-85A3-1F89AAF62885}" type="datetimeFigureOut">
               <a:rPr lang="pt-BR" smtClean="0"/>
-              <a:t>12/11/2023</a:t>
+              <a:t>19/11/2023</a:t>
             </a:fld>
             <a:endParaRPr lang="pt-BR"/>
           </a:p>
@@ -4452,6 +4458,1148 @@
 </p:sld>
 </file>
 
+<file path=ppt/slides/slide2.xml><?xml version="1.0" encoding="utf-8"?>
+<p:sld xmlns:a="http://schemas.openxmlformats.org/drawingml/2006/main" xmlns:r="http://schemas.openxmlformats.org/officeDocument/2006/relationships" xmlns:p="http://schemas.openxmlformats.org/presentationml/2006/main">
+  <p:cSld>
+    <p:spTree>
+      <p:nvGrpSpPr>
+        <p:cNvPr id="1" name=""/>
+        <p:cNvGrpSpPr/>
+        <p:nvPr/>
+      </p:nvGrpSpPr>
+      <p:grpSpPr>
+        <a:xfrm>
+          <a:off x="0" y="0"/>
+          <a:ext cx="0" cy="0"/>
+          <a:chOff x="0" y="0"/>
+          <a:chExt cx="0" cy="0"/>
+        </a:xfrm>
+      </p:grpSpPr>
+      <p:sp>
+        <p:nvSpPr>
+          <p:cNvPr id="4" name="Retângulo 3">
+            <a:extLst>
+              <a:ext uri="{FF2B5EF4-FFF2-40B4-BE49-F238E27FC236}">
+                <a16:creationId xmlns:a16="http://schemas.microsoft.com/office/drawing/2014/main" id="{C312BE5B-D3AC-0075-F3FE-8E8B9C776629}"/>
+              </a:ext>
+            </a:extLst>
+          </p:cNvPr>
+          <p:cNvSpPr/>
+          <p:nvPr/>
+        </p:nvSpPr>
+        <p:spPr>
+          <a:xfrm>
+            <a:off x="394447" y="277906"/>
+            <a:ext cx="11447929" cy="6355976"/>
+          </a:xfrm>
+          <a:prstGeom prst="rect">
+            <a:avLst/>
+          </a:prstGeom>
+        </p:spPr>
+        <p:style>
+          <a:lnRef idx="2">
+            <a:schemeClr val="dk1"/>
+          </a:lnRef>
+          <a:fillRef idx="1">
+            <a:schemeClr val="lt1"/>
+          </a:fillRef>
+          <a:effectRef idx="0">
+            <a:schemeClr val="dk1"/>
+          </a:effectRef>
+          <a:fontRef idx="minor">
+            <a:schemeClr val="dk1"/>
+          </a:fontRef>
+        </p:style>
+        <p:txBody>
+          <a:bodyPr rtlCol="0" anchor="ctr"/>
+          <a:lstStyle/>
+          <a:p>
+            <a:pPr algn="ctr"/>
+            <a:endParaRPr lang="pt-BR"/>
+          </a:p>
+        </p:txBody>
+      </p:sp>
+      <p:sp>
+        <p:nvSpPr>
+          <p:cNvPr id="5" name="Retângulo 4">
+            <a:extLst>
+              <a:ext uri="{FF2B5EF4-FFF2-40B4-BE49-F238E27FC236}">
+                <a16:creationId xmlns:a16="http://schemas.microsoft.com/office/drawing/2014/main" id="{6E1071E7-FA4F-E9D8-67F7-3EDEBC9DFB9A}"/>
+              </a:ext>
+            </a:extLst>
+          </p:cNvPr>
+          <p:cNvSpPr/>
+          <p:nvPr/>
+        </p:nvSpPr>
+        <p:spPr>
+          <a:xfrm>
+            <a:off x="394447" y="277906"/>
+            <a:ext cx="11447929" cy="600635"/>
+          </a:xfrm>
+          <a:prstGeom prst="rect">
+            <a:avLst/>
+          </a:prstGeom>
+        </p:spPr>
+        <p:style>
+          <a:lnRef idx="2">
+            <a:schemeClr val="dk1"/>
+          </a:lnRef>
+          <a:fillRef idx="1">
+            <a:schemeClr val="lt1"/>
+          </a:fillRef>
+          <a:effectRef idx="0">
+            <a:schemeClr val="dk1"/>
+          </a:effectRef>
+          <a:fontRef idx="minor">
+            <a:schemeClr val="dk1"/>
+          </a:fontRef>
+        </p:style>
+        <p:txBody>
+          <a:bodyPr rtlCol="0" anchor="ctr"/>
+          <a:lstStyle/>
+          <a:p>
+            <a:pPr algn="ctr"/>
+            <a:endParaRPr lang="pt-BR"/>
+          </a:p>
+        </p:txBody>
+      </p:sp>
+      <p:sp>
+        <p:nvSpPr>
+          <p:cNvPr id="6" name="Retângulo 5">
+            <a:extLst>
+              <a:ext uri="{FF2B5EF4-FFF2-40B4-BE49-F238E27FC236}">
+                <a16:creationId xmlns:a16="http://schemas.microsoft.com/office/drawing/2014/main" id="{5530C61D-2089-6C22-DDCF-4972611F15E4}"/>
+              </a:ext>
+            </a:extLst>
+          </p:cNvPr>
+          <p:cNvSpPr/>
+          <p:nvPr/>
+        </p:nvSpPr>
+        <p:spPr>
+          <a:xfrm>
+            <a:off x="9350188" y="277906"/>
+            <a:ext cx="2492188" cy="600635"/>
+          </a:xfrm>
+          <a:prstGeom prst="rect">
+            <a:avLst/>
+          </a:prstGeom>
+        </p:spPr>
+        <p:style>
+          <a:lnRef idx="2">
+            <a:schemeClr val="dk1"/>
+          </a:lnRef>
+          <a:fillRef idx="1">
+            <a:schemeClr val="lt1"/>
+          </a:fillRef>
+          <a:effectRef idx="0">
+            <a:schemeClr val="dk1"/>
+          </a:effectRef>
+          <a:fontRef idx="minor">
+            <a:schemeClr val="dk1"/>
+          </a:fontRef>
+        </p:style>
+        <p:txBody>
+          <a:bodyPr rtlCol="0" anchor="ctr"/>
+          <a:lstStyle/>
+          <a:p>
+            <a:pPr algn="ctr"/>
+            <a:r>
+              <a:rPr lang="pt-BR" dirty="0"/>
+              <a:t>Meu perfil </a:t>
+            </a:r>
+          </a:p>
+        </p:txBody>
+      </p:sp>
+      <p:sp>
+        <p:nvSpPr>
+          <p:cNvPr id="7" name="Triângulo isósceles 6">
+            <a:extLst>
+              <a:ext uri="{FF2B5EF4-FFF2-40B4-BE49-F238E27FC236}">
+                <a16:creationId xmlns:a16="http://schemas.microsoft.com/office/drawing/2014/main" id="{50017FB8-6278-4B59-A668-5E010910738E}"/>
+              </a:ext>
+            </a:extLst>
+          </p:cNvPr>
+          <p:cNvSpPr/>
+          <p:nvPr/>
+        </p:nvSpPr>
+        <p:spPr>
+          <a:xfrm rot="10800000">
+            <a:off x="11223812" y="412376"/>
+            <a:ext cx="484094" cy="331694"/>
+          </a:xfrm>
+          <a:prstGeom prst="triangle">
+            <a:avLst/>
+          </a:prstGeom>
+        </p:spPr>
+        <p:style>
+          <a:lnRef idx="2">
+            <a:schemeClr val="dk1">
+              <a:shade val="15000"/>
+            </a:schemeClr>
+          </a:lnRef>
+          <a:fillRef idx="1">
+            <a:schemeClr val="dk1"/>
+          </a:fillRef>
+          <a:effectRef idx="0">
+            <a:schemeClr val="dk1"/>
+          </a:effectRef>
+          <a:fontRef idx="minor">
+            <a:schemeClr val="lt1"/>
+          </a:fontRef>
+        </p:style>
+        <p:txBody>
+          <a:bodyPr rtlCol="0" anchor="ctr"/>
+          <a:lstStyle/>
+          <a:p>
+            <a:pPr algn="ctr"/>
+            <a:endParaRPr lang="pt-BR"/>
+          </a:p>
+        </p:txBody>
+      </p:sp>
+      <p:sp>
+        <p:nvSpPr>
+          <p:cNvPr id="8" name="Retângulo 7">
+            <a:extLst>
+              <a:ext uri="{FF2B5EF4-FFF2-40B4-BE49-F238E27FC236}">
+                <a16:creationId xmlns:a16="http://schemas.microsoft.com/office/drawing/2014/main" id="{9BD6F462-A355-5577-3829-10DA771BF156}"/>
+              </a:ext>
+            </a:extLst>
+          </p:cNvPr>
+          <p:cNvSpPr/>
+          <p:nvPr/>
+        </p:nvSpPr>
+        <p:spPr>
+          <a:xfrm>
+            <a:off x="2716306" y="345140"/>
+            <a:ext cx="3303495" cy="466165"/>
+          </a:xfrm>
+          <a:prstGeom prst="rect">
+            <a:avLst/>
+          </a:prstGeom>
+        </p:spPr>
+        <p:style>
+          <a:lnRef idx="2">
+            <a:schemeClr val="dk1"/>
+          </a:lnRef>
+          <a:fillRef idx="1">
+            <a:schemeClr val="lt1"/>
+          </a:fillRef>
+          <a:effectRef idx="0">
+            <a:schemeClr val="dk1"/>
+          </a:effectRef>
+          <a:fontRef idx="minor">
+            <a:schemeClr val="dk1"/>
+          </a:fontRef>
+        </p:style>
+        <p:txBody>
+          <a:bodyPr rtlCol="0" anchor="ctr"/>
+          <a:lstStyle/>
+          <a:p>
+            <a:pPr algn="ctr"/>
+            <a:endParaRPr lang="pt-BR"/>
+          </a:p>
+        </p:txBody>
+      </p:sp>
+      <p:sp>
+        <p:nvSpPr>
+          <p:cNvPr id="9" name="CaixaDeTexto 8">
+            <a:extLst>
+              <a:ext uri="{FF2B5EF4-FFF2-40B4-BE49-F238E27FC236}">
+                <a16:creationId xmlns:a16="http://schemas.microsoft.com/office/drawing/2014/main" id="{1A4F6037-CEA1-77DB-A3EB-BEDFC1DDFB53}"/>
+              </a:ext>
+            </a:extLst>
+          </p:cNvPr>
+          <p:cNvSpPr txBox="1"/>
+          <p:nvPr/>
+        </p:nvSpPr>
+        <p:spPr>
+          <a:xfrm>
+            <a:off x="484094" y="393556"/>
+            <a:ext cx="1520160" cy="369332"/>
+          </a:xfrm>
+          <a:prstGeom prst="rect">
+            <a:avLst/>
+          </a:prstGeom>
+          <a:noFill/>
+        </p:spPr>
+        <p:txBody>
+          <a:bodyPr wrap="none" rtlCol="0">
+            <a:spAutoFit/>
+          </a:bodyPr>
+          <a:lstStyle/>
+          <a:p>
+            <a:r>
+              <a:rPr lang="pt-BR" dirty="0"/>
+              <a:t>Pesquisar por:</a:t>
+            </a:r>
+          </a:p>
+        </p:txBody>
+      </p:sp>
+      <p:sp>
+        <p:nvSpPr>
+          <p:cNvPr id="10" name="CaixaDeTexto 9">
+            <a:extLst>
+              <a:ext uri="{FF2B5EF4-FFF2-40B4-BE49-F238E27FC236}">
+                <a16:creationId xmlns:a16="http://schemas.microsoft.com/office/drawing/2014/main" id="{AF120688-84AC-ECB3-EAF7-FFDABE77A87E}"/>
+              </a:ext>
+            </a:extLst>
+          </p:cNvPr>
+          <p:cNvSpPr txBox="1"/>
+          <p:nvPr/>
+        </p:nvSpPr>
+        <p:spPr>
+          <a:xfrm>
+            <a:off x="6118411" y="412376"/>
+            <a:ext cx="823752" cy="369332"/>
+          </a:xfrm>
+          <a:prstGeom prst="rect">
+            <a:avLst/>
+          </a:prstGeom>
+          <a:noFill/>
+        </p:spPr>
+        <p:txBody>
+          <a:bodyPr wrap="none" rtlCol="0">
+            <a:spAutoFit/>
+          </a:bodyPr>
+          <a:lstStyle/>
+          <a:p>
+            <a:r>
+              <a:rPr lang="pt-BR" dirty="0"/>
+              <a:t>Filtros:</a:t>
+            </a:r>
+          </a:p>
+        </p:txBody>
+      </p:sp>
+      <p:sp>
+        <p:nvSpPr>
+          <p:cNvPr id="11" name="Retângulo 10">
+            <a:extLst>
+              <a:ext uri="{FF2B5EF4-FFF2-40B4-BE49-F238E27FC236}">
+                <a16:creationId xmlns:a16="http://schemas.microsoft.com/office/drawing/2014/main" id="{C310B136-12EA-5805-59D3-2B82BAFCFAC8}"/>
+              </a:ext>
+            </a:extLst>
+          </p:cNvPr>
+          <p:cNvSpPr/>
+          <p:nvPr/>
+        </p:nvSpPr>
+        <p:spPr>
+          <a:xfrm>
+            <a:off x="7085599" y="380997"/>
+            <a:ext cx="1730188" cy="417749"/>
+          </a:xfrm>
+          <a:prstGeom prst="rect">
+            <a:avLst/>
+          </a:prstGeom>
+        </p:spPr>
+        <p:style>
+          <a:lnRef idx="2">
+            <a:schemeClr val="dk1"/>
+          </a:lnRef>
+          <a:fillRef idx="1">
+            <a:schemeClr val="lt1"/>
+          </a:fillRef>
+          <a:effectRef idx="0">
+            <a:schemeClr val="dk1"/>
+          </a:effectRef>
+          <a:fontRef idx="minor">
+            <a:schemeClr val="dk1"/>
+          </a:fontRef>
+        </p:style>
+        <p:txBody>
+          <a:bodyPr rtlCol="0" anchor="ctr"/>
+          <a:lstStyle/>
+          <a:p>
+            <a:pPr algn="ctr"/>
+            <a:endParaRPr lang="pt-BR"/>
+          </a:p>
+        </p:txBody>
+      </p:sp>
+      <p:sp>
+        <p:nvSpPr>
+          <p:cNvPr id="12" name="Triângulo isósceles 11">
+            <a:extLst>
+              <a:ext uri="{FF2B5EF4-FFF2-40B4-BE49-F238E27FC236}">
+                <a16:creationId xmlns:a16="http://schemas.microsoft.com/office/drawing/2014/main" id="{C15F299E-9F90-F8C8-5D4F-AE41D7E81F5C}"/>
+              </a:ext>
+            </a:extLst>
+          </p:cNvPr>
+          <p:cNvSpPr/>
+          <p:nvPr/>
+        </p:nvSpPr>
+        <p:spPr>
+          <a:xfrm rot="10800000">
+            <a:off x="8397424" y="480054"/>
+            <a:ext cx="323732" cy="196336"/>
+          </a:xfrm>
+          <a:prstGeom prst="triangle">
+            <a:avLst/>
+          </a:prstGeom>
+        </p:spPr>
+        <p:style>
+          <a:lnRef idx="2">
+            <a:schemeClr val="dk1">
+              <a:shade val="15000"/>
+            </a:schemeClr>
+          </a:lnRef>
+          <a:fillRef idx="1">
+            <a:schemeClr val="dk1"/>
+          </a:fillRef>
+          <a:effectRef idx="0">
+            <a:schemeClr val="dk1"/>
+          </a:effectRef>
+          <a:fontRef idx="minor">
+            <a:schemeClr val="lt1"/>
+          </a:fontRef>
+        </p:style>
+        <p:txBody>
+          <a:bodyPr rtlCol="0" anchor="ctr"/>
+          <a:lstStyle/>
+          <a:p>
+            <a:pPr algn="ctr"/>
+            <a:endParaRPr lang="pt-BR"/>
+          </a:p>
+        </p:txBody>
+      </p:sp>
+      <p:sp>
+        <p:nvSpPr>
+          <p:cNvPr id="13" name="Triângulo isósceles 12">
+            <a:extLst>
+              <a:ext uri="{FF2B5EF4-FFF2-40B4-BE49-F238E27FC236}">
+                <a16:creationId xmlns:a16="http://schemas.microsoft.com/office/drawing/2014/main" id="{540F7E5F-D3F2-08EF-39A7-388C9E39C332}"/>
+              </a:ext>
+            </a:extLst>
+          </p:cNvPr>
+          <p:cNvSpPr/>
+          <p:nvPr/>
+        </p:nvSpPr>
+        <p:spPr>
+          <a:xfrm rot="10800000">
+            <a:off x="2014193" y="498874"/>
+            <a:ext cx="323732" cy="196336"/>
+          </a:xfrm>
+          <a:prstGeom prst="triangle">
+            <a:avLst/>
+          </a:prstGeom>
+        </p:spPr>
+        <p:style>
+          <a:lnRef idx="2">
+            <a:schemeClr val="dk1">
+              <a:shade val="15000"/>
+            </a:schemeClr>
+          </a:lnRef>
+          <a:fillRef idx="1">
+            <a:schemeClr val="dk1"/>
+          </a:fillRef>
+          <a:effectRef idx="0">
+            <a:schemeClr val="dk1"/>
+          </a:effectRef>
+          <a:fontRef idx="minor">
+            <a:schemeClr val="lt1"/>
+          </a:fontRef>
+        </p:style>
+        <p:txBody>
+          <a:bodyPr rtlCol="0" anchor="ctr"/>
+          <a:lstStyle/>
+          <a:p>
+            <a:pPr algn="ctr"/>
+            <a:endParaRPr lang="pt-BR"/>
+          </a:p>
+        </p:txBody>
+      </p:sp>
+      <p:graphicFrame>
+        <p:nvGraphicFramePr>
+          <p:cNvPr id="14" name="Tabela 13">
+            <a:extLst>
+              <a:ext uri="{FF2B5EF4-FFF2-40B4-BE49-F238E27FC236}">
+                <a16:creationId xmlns:a16="http://schemas.microsoft.com/office/drawing/2014/main" id="{418B1A4A-39DA-5A50-7054-2F585AE3F871}"/>
+              </a:ext>
+            </a:extLst>
+          </p:cNvPr>
+          <p:cNvGraphicFramePr>
+            <a:graphicFrameLocks noGrp="1"/>
+          </p:cNvGraphicFramePr>
+          <p:nvPr/>
+        </p:nvGraphicFramePr>
+        <p:xfrm>
+          <a:off x="2004254" y="1445807"/>
+          <a:ext cx="8128000" cy="1854200"/>
+        </p:xfrm>
+        <a:graphic>
+          <a:graphicData uri="http://schemas.openxmlformats.org/drawingml/2006/table">
+            <a:tbl>
+              <a:tblPr firstRow="1" bandRow="1">
+                <a:tableStyleId>{5C22544A-7EE6-4342-B048-85BDC9FD1C3A}</a:tableStyleId>
+              </a:tblPr>
+              <a:tblGrid>
+                <a:gridCol w="812800">
+                  <a:extLst>
+                    <a:ext uri="{9D8B030D-6E8A-4147-A177-3AD203B41FA5}">
+                      <a16:colId xmlns:a16="http://schemas.microsoft.com/office/drawing/2014/main" val="3032401669"/>
+                    </a:ext>
+                  </a:extLst>
+                </a:gridCol>
+                <a:gridCol w="812800">
+                  <a:extLst>
+                    <a:ext uri="{9D8B030D-6E8A-4147-A177-3AD203B41FA5}">
+                      <a16:colId xmlns:a16="http://schemas.microsoft.com/office/drawing/2014/main" val="409129525"/>
+                    </a:ext>
+                  </a:extLst>
+                </a:gridCol>
+                <a:gridCol w="812800">
+                  <a:extLst>
+                    <a:ext uri="{9D8B030D-6E8A-4147-A177-3AD203B41FA5}">
+                      <a16:colId xmlns:a16="http://schemas.microsoft.com/office/drawing/2014/main" val="1613095802"/>
+                    </a:ext>
+                  </a:extLst>
+                </a:gridCol>
+                <a:gridCol w="812800">
+                  <a:extLst>
+                    <a:ext uri="{9D8B030D-6E8A-4147-A177-3AD203B41FA5}">
+                      <a16:colId xmlns:a16="http://schemas.microsoft.com/office/drawing/2014/main" val="3202455393"/>
+                    </a:ext>
+                  </a:extLst>
+                </a:gridCol>
+                <a:gridCol w="812800">
+                  <a:extLst>
+                    <a:ext uri="{9D8B030D-6E8A-4147-A177-3AD203B41FA5}">
+                      <a16:colId xmlns:a16="http://schemas.microsoft.com/office/drawing/2014/main" val="7837860"/>
+                    </a:ext>
+                  </a:extLst>
+                </a:gridCol>
+                <a:gridCol w="812800">
+                  <a:extLst>
+                    <a:ext uri="{9D8B030D-6E8A-4147-A177-3AD203B41FA5}">
+                      <a16:colId xmlns:a16="http://schemas.microsoft.com/office/drawing/2014/main" val="758005985"/>
+                    </a:ext>
+                  </a:extLst>
+                </a:gridCol>
+                <a:gridCol w="812800">
+                  <a:extLst>
+                    <a:ext uri="{9D8B030D-6E8A-4147-A177-3AD203B41FA5}">
+                      <a16:colId xmlns:a16="http://schemas.microsoft.com/office/drawing/2014/main" val="1387080688"/>
+                    </a:ext>
+                  </a:extLst>
+                </a:gridCol>
+                <a:gridCol w="812800">
+                  <a:extLst>
+                    <a:ext uri="{9D8B030D-6E8A-4147-A177-3AD203B41FA5}">
+                      <a16:colId xmlns:a16="http://schemas.microsoft.com/office/drawing/2014/main" val="1814117503"/>
+                    </a:ext>
+                  </a:extLst>
+                </a:gridCol>
+                <a:gridCol w="812800">
+                  <a:extLst>
+                    <a:ext uri="{9D8B030D-6E8A-4147-A177-3AD203B41FA5}">
+                      <a16:colId xmlns:a16="http://schemas.microsoft.com/office/drawing/2014/main" val="4123957779"/>
+                    </a:ext>
+                  </a:extLst>
+                </a:gridCol>
+                <a:gridCol w="812800">
+                  <a:extLst>
+                    <a:ext uri="{9D8B030D-6E8A-4147-A177-3AD203B41FA5}">
+                      <a16:colId xmlns:a16="http://schemas.microsoft.com/office/drawing/2014/main" val="3635530838"/>
+                    </a:ext>
+                  </a:extLst>
+                </a:gridCol>
+              </a:tblGrid>
+              <a:tr h="370840">
+                <a:tc>
+                  <a:txBody>
+                    <a:bodyPr/>
+                    <a:lstStyle/>
+                    <a:p>
+                      <a:endParaRPr lang="pt-BR"/>
+                    </a:p>
+                  </a:txBody>
+                  <a:tcPr/>
+                </a:tc>
+                <a:tc>
+                  <a:txBody>
+                    <a:bodyPr/>
+                    <a:lstStyle/>
+                    <a:p>
+                      <a:endParaRPr lang="pt-BR"/>
+                    </a:p>
+                  </a:txBody>
+                  <a:tcPr/>
+                </a:tc>
+                <a:tc>
+                  <a:txBody>
+                    <a:bodyPr/>
+                    <a:lstStyle/>
+                    <a:p>
+                      <a:endParaRPr lang="pt-BR"/>
+                    </a:p>
+                  </a:txBody>
+                  <a:tcPr/>
+                </a:tc>
+                <a:tc>
+                  <a:txBody>
+                    <a:bodyPr/>
+                    <a:lstStyle/>
+                    <a:p>
+                      <a:endParaRPr lang="pt-BR"/>
+                    </a:p>
+                  </a:txBody>
+                  <a:tcPr/>
+                </a:tc>
+                <a:tc>
+                  <a:txBody>
+                    <a:bodyPr/>
+                    <a:lstStyle/>
+                    <a:p>
+                      <a:endParaRPr lang="pt-BR"/>
+                    </a:p>
+                  </a:txBody>
+                  <a:tcPr/>
+                </a:tc>
+                <a:tc>
+                  <a:txBody>
+                    <a:bodyPr/>
+                    <a:lstStyle/>
+                    <a:p>
+                      <a:endParaRPr lang="pt-BR"/>
+                    </a:p>
+                  </a:txBody>
+                  <a:tcPr/>
+                </a:tc>
+                <a:tc>
+                  <a:txBody>
+                    <a:bodyPr/>
+                    <a:lstStyle/>
+                    <a:p>
+                      <a:endParaRPr lang="pt-BR"/>
+                    </a:p>
+                  </a:txBody>
+                  <a:tcPr/>
+                </a:tc>
+                <a:tc>
+                  <a:txBody>
+                    <a:bodyPr/>
+                    <a:lstStyle/>
+                    <a:p>
+                      <a:endParaRPr lang="pt-BR"/>
+                    </a:p>
+                  </a:txBody>
+                  <a:tcPr/>
+                </a:tc>
+                <a:tc>
+                  <a:txBody>
+                    <a:bodyPr/>
+                    <a:lstStyle/>
+                    <a:p>
+                      <a:endParaRPr lang="pt-BR"/>
+                    </a:p>
+                  </a:txBody>
+                  <a:tcPr/>
+                </a:tc>
+                <a:tc>
+                  <a:txBody>
+                    <a:bodyPr/>
+                    <a:lstStyle/>
+                    <a:p>
+                      <a:endParaRPr lang="pt-BR"/>
+                    </a:p>
+                  </a:txBody>
+                  <a:tcPr/>
+                </a:tc>
+                <a:extLst>
+                  <a:ext uri="{0D108BD9-81ED-4DB2-BD59-A6C34878D82A}">
+                    <a16:rowId xmlns:a16="http://schemas.microsoft.com/office/drawing/2014/main" val="1263570921"/>
+                  </a:ext>
+                </a:extLst>
+              </a:tr>
+              <a:tr h="370840">
+                <a:tc>
+                  <a:txBody>
+                    <a:bodyPr/>
+                    <a:lstStyle/>
+                    <a:p>
+                      <a:endParaRPr lang="pt-BR"/>
+                    </a:p>
+                  </a:txBody>
+                  <a:tcPr/>
+                </a:tc>
+                <a:tc>
+                  <a:txBody>
+                    <a:bodyPr/>
+                    <a:lstStyle/>
+                    <a:p>
+                      <a:endParaRPr lang="pt-BR"/>
+                    </a:p>
+                  </a:txBody>
+                  <a:tcPr/>
+                </a:tc>
+                <a:tc>
+                  <a:txBody>
+                    <a:bodyPr/>
+                    <a:lstStyle/>
+                    <a:p>
+                      <a:endParaRPr lang="pt-BR"/>
+                    </a:p>
+                  </a:txBody>
+                  <a:tcPr/>
+                </a:tc>
+                <a:tc>
+                  <a:txBody>
+                    <a:bodyPr/>
+                    <a:lstStyle/>
+                    <a:p>
+                      <a:endParaRPr lang="pt-BR"/>
+                    </a:p>
+                  </a:txBody>
+                  <a:tcPr/>
+                </a:tc>
+                <a:tc>
+                  <a:txBody>
+                    <a:bodyPr/>
+                    <a:lstStyle/>
+                    <a:p>
+                      <a:endParaRPr lang="pt-BR"/>
+                    </a:p>
+                  </a:txBody>
+                  <a:tcPr/>
+                </a:tc>
+                <a:tc>
+                  <a:txBody>
+                    <a:bodyPr/>
+                    <a:lstStyle/>
+                    <a:p>
+                      <a:endParaRPr lang="pt-BR"/>
+                    </a:p>
+                  </a:txBody>
+                  <a:tcPr/>
+                </a:tc>
+                <a:tc>
+                  <a:txBody>
+                    <a:bodyPr/>
+                    <a:lstStyle/>
+                    <a:p>
+                      <a:endParaRPr lang="pt-BR"/>
+                    </a:p>
+                  </a:txBody>
+                  <a:tcPr/>
+                </a:tc>
+                <a:tc>
+                  <a:txBody>
+                    <a:bodyPr/>
+                    <a:lstStyle/>
+                    <a:p>
+                      <a:endParaRPr lang="pt-BR"/>
+                    </a:p>
+                  </a:txBody>
+                  <a:tcPr/>
+                </a:tc>
+                <a:tc>
+                  <a:txBody>
+                    <a:bodyPr/>
+                    <a:lstStyle/>
+                    <a:p>
+                      <a:endParaRPr lang="pt-BR"/>
+                    </a:p>
+                  </a:txBody>
+                  <a:tcPr/>
+                </a:tc>
+                <a:tc>
+                  <a:txBody>
+                    <a:bodyPr/>
+                    <a:lstStyle/>
+                    <a:p>
+                      <a:endParaRPr lang="pt-BR" dirty="0"/>
+                    </a:p>
+                  </a:txBody>
+                  <a:tcPr/>
+                </a:tc>
+                <a:extLst>
+                  <a:ext uri="{0D108BD9-81ED-4DB2-BD59-A6C34878D82A}">
+                    <a16:rowId xmlns:a16="http://schemas.microsoft.com/office/drawing/2014/main" val="662475310"/>
+                  </a:ext>
+                </a:extLst>
+              </a:tr>
+              <a:tr h="370840">
+                <a:tc>
+                  <a:txBody>
+                    <a:bodyPr/>
+                    <a:lstStyle/>
+                    <a:p>
+                      <a:endParaRPr lang="pt-BR"/>
+                    </a:p>
+                  </a:txBody>
+                  <a:tcPr/>
+                </a:tc>
+                <a:tc>
+                  <a:txBody>
+                    <a:bodyPr/>
+                    <a:lstStyle/>
+                    <a:p>
+                      <a:endParaRPr lang="pt-BR"/>
+                    </a:p>
+                  </a:txBody>
+                  <a:tcPr/>
+                </a:tc>
+                <a:tc>
+                  <a:txBody>
+                    <a:bodyPr/>
+                    <a:lstStyle/>
+                    <a:p>
+                      <a:endParaRPr lang="pt-BR"/>
+                    </a:p>
+                  </a:txBody>
+                  <a:tcPr/>
+                </a:tc>
+                <a:tc>
+                  <a:txBody>
+                    <a:bodyPr/>
+                    <a:lstStyle/>
+                    <a:p>
+                      <a:endParaRPr lang="pt-BR"/>
+                    </a:p>
+                  </a:txBody>
+                  <a:tcPr/>
+                </a:tc>
+                <a:tc>
+                  <a:txBody>
+                    <a:bodyPr/>
+                    <a:lstStyle/>
+                    <a:p>
+                      <a:endParaRPr lang="pt-BR"/>
+                    </a:p>
+                  </a:txBody>
+                  <a:tcPr/>
+                </a:tc>
+                <a:tc>
+                  <a:txBody>
+                    <a:bodyPr/>
+                    <a:lstStyle/>
+                    <a:p>
+                      <a:endParaRPr lang="pt-BR"/>
+                    </a:p>
+                  </a:txBody>
+                  <a:tcPr/>
+                </a:tc>
+                <a:tc>
+                  <a:txBody>
+                    <a:bodyPr/>
+                    <a:lstStyle/>
+                    <a:p>
+                      <a:endParaRPr lang="pt-BR"/>
+                    </a:p>
+                  </a:txBody>
+                  <a:tcPr/>
+                </a:tc>
+                <a:tc>
+                  <a:txBody>
+                    <a:bodyPr/>
+                    <a:lstStyle/>
+                    <a:p>
+                      <a:endParaRPr lang="pt-BR"/>
+                    </a:p>
+                  </a:txBody>
+                  <a:tcPr/>
+                </a:tc>
+                <a:tc>
+                  <a:txBody>
+                    <a:bodyPr/>
+                    <a:lstStyle/>
+                    <a:p>
+                      <a:endParaRPr lang="pt-BR"/>
+                    </a:p>
+                  </a:txBody>
+                  <a:tcPr/>
+                </a:tc>
+                <a:tc>
+                  <a:txBody>
+                    <a:bodyPr/>
+                    <a:lstStyle/>
+                    <a:p>
+                      <a:endParaRPr lang="pt-BR"/>
+                    </a:p>
+                  </a:txBody>
+                  <a:tcPr/>
+                </a:tc>
+                <a:extLst>
+                  <a:ext uri="{0D108BD9-81ED-4DB2-BD59-A6C34878D82A}">
+                    <a16:rowId xmlns:a16="http://schemas.microsoft.com/office/drawing/2014/main" val="2565013216"/>
+                  </a:ext>
+                </a:extLst>
+              </a:tr>
+              <a:tr h="370840">
+                <a:tc>
+                  <a:txBody>
+                    <a:bodyPr/>
+                    <a:lstStyle/>
+                    <a:p>
+                      <a:endParaRPr lang="pt-BR"/>
+                    </a:p>
+                  </a:txBody>
+                  <a:tcPr/>
+                </a:tc>
+                <a:tc>
+                  <a:txBody>
+                    <a:bodyPr/>
+                    <a:lstStyle/>
+                    <a:p>
+                      <a:endParaRPr lang="pt-BR"/>
+                    </a:p>
+                  </a:txBody>
+                  <a:tcPr/>
+                </a:tc>
+                <a:tc>
+                  <a:txBody>
+                    <a:bodyPr/>
+                    <a:lstStyle/>
+                    <a:p>
+                      <a:endParaRPr lang="pt-BR"/>
+                    </a:p>
+                  </a:txBody>
+                  <a:tcPr/>
+                </a:tc>
+                <a:tc>
+                  <a:txBody>
+                    <a:bodyPr/>
+                    <a:lstStyle/>
+                    <a:p>
+                      <a:endParaRPr lang="pt-BR"/>
+                    </a:p>
+                  </a:txBody>
+                  <a:tcPr/>
+                </a:tc>
+                <a:tc>
+                  <a:txBody>
+                    <a:bodyPr/>
+                    <a:lstStyle/>
+                    <a:p>
+                      <a:endParaRPr lang="pt-BR"/>
+                    </a:p>
+                  </a:txBody>
+                  <a:tcPr/>
+                </a:tc>
+                <a:tc>
+                  <a:txBody>
+                    <a:bodyPr/>
+                    <a:lstStyle/>
+                    <a:p>
+                      <a:endParaRPr lang="pt-BR"/>
+                    </a:p>
+                  </a:txBody>
+                  <a:tcPr/>
+                </a:tc>
+                <a:tc>
+                  <a:txBody>
+                    <a:bodyPr/>
+                    <a:lstStyle/>
+                    <a:p>
+                      <a:endParaRPr lang="pt-BR"/>
+                    </a:p>
+                  </a:txBody>
+                  <a:tcPr/>
+                </a:tc>
+                <a:tc>
+                  <a:txBody>
+                    <a:bodyPr/>
+                    <a:lstStyle/>
+                    <a:p>
+                      <a:endParaRPr lang="pt-BR"/>
+                    </a:p>
+                  </a:txBody>
+                  <a:tcPr/>
+                </a:tc>
+                <a:tc>
+                  <a:txBody>
+                    <a:bodyPr/>
+                    <a:lstStyle/>
+                    <a:p>
+                      <a:endParaRPr lang="pt-BR"/>
+                    </a:p>
+                  </a:txBody>
+                  <a:tcPr/>
+                </a:tc>
+                <a:tc>
+                  <a:txBody>
+                    <a:bodyPr/>
+                    <a:lstStyle/>
+                    <a:p>
+                      <a:endParaRPr lang="pt-BR"/>
+                    </a:p>
+                  </a:txBody>
+                  <a:tcPr/>
+                </a:tc>
+                <a:extLst>
+                  <a:ext uri="{0D108BD9-81ED-4DB2-BD59-A6C34878D82A}">
+                    <a16:rowId xmlns:a16="http://schemas.microsoft.com/office/drawing/2014/main" val="3328745633"/>
+                  </a:ext>
+                </a:extLst>
+              </a:tr>
+              <a:tr h="370840">
+                <a:tc>
+                  <a:txBody>
+                    <a:bodyPr/>
+                    <a:lstStyle/>
+                    <a:p>
+                      <a:endParaRPr lang="pt-BR"/>
+                    </a:p>
+                  </a:txBody>
+                  <a:tcPr/>
+                </a:tc>
+                <a:tc>
+                  <a:txBody>
+                    <a:bodyPr/>
+                    <a:lstStyle/>
+                    <a:p>
+                      <a:endParaRPr lang="pt-BR"/>
+                    </a:p>
+                  </a:txBody>
+                  <a:tcPr/>
+                </a:tc>
+                <a:tc>
+                  <a:txBody>
+                    <a:bodyPr/>
+                    <a:lstStyle/>
+                    <a:p>
+                      <a:endParaRPr lang="pt-BR"/>
+                    </a:p>
+                  </a:txBody>
+                  <a:tcPr/>
+                </a:tc>
+                <a:tc>
+                  <a:txBody>
+                    <a:bodyPr/>
+                    <a:lstStyle/>
+                    <a:p>
+                      <a:endParaRPr lang="pt-BR"/>
+                    </a:p>
+                  </a:txBody>
+                  <a:tcPr/>
+                </a:tc>
+                <a:tc>
+                  <a:txBody>
+                    <a:bodyPr/>
+                    <a:lstStyle/>
+                    <a:p>
+                      <a:endParaRPr lang="pt-BR"/>
+                    </a:p>
+                  </a:txBody>
+                  <a:tcPr/>
+                </a:tc>
+                <a:tc>
+                  <a:txBody>
+                    <a:bodyPr/>
+                    <a:lstStyle/>
+                    <a:p>
+                      <a:endParaRPr lang="pt-BR"/>
+                    </a:p>
+                  </a:txBody>
+                  <a:tcPr/>
+                </a:tc>
+                <a:tc>
+                  <a:txBody>
+                    <a:bodyPr/>
+                    <a:lstStyle/>
+                    <a:p>
+                      <a:endParaRPr lang="pt-BR"/>
+                    </a:p>
+                  </a:txBody>
+                  <a:tcPr/>
+                </a:tc>
+                <a:tc>
+                  <a:txBody>
+                    <a:bodyPr/>
+                    <a:lstStyle/>
+                    <a:p>
+                      <a:endParaRPr lang="pt-BR"/>
+                    </a:p>
+                  </a:txBody>
+                  <a:tcPr/>
+                </a:tc>
+                <a:tc>
+                  <a:txBody>
+                    <a:bodyPr/>
+                    <a:lstStyle/>
+                    <a:p>
+                      <a:endParaRPr lang="pt-BR"/>
+                    </a:p>
+                  </a:txBody>
+                  <a:tcPr/>
+                </a:tc>
+                <a:tc>
+                  <a:txBody>
+                    <a:bodyPr/>
+                    <a:lstStyle/>
+                    <a:p>
+                      <a:endParaRPr lang="pt-BR" dirty="0"/>
+                    </a:p>
+                  </a:txBody>
+                  <a:tcPr/>
+                </a:tc>
+                <a:extLst>
+                  <a:ext uri="{0D108BD9-81ED-4DB2-BD59-A6C34878D82A}">
+                    <a16:rowId xmlns:a16="http://schemas.microsoft.com/office/drawing/2014/main" val="2921470368"/>
+                  </a:ext>
+                </a:extLst>
+              </a:tr>
+            </a:tbl>
+          </a:graphicData>
+        </a:graphic>
+      </p:graphicFrame>
+      <p:sp>
+        <p:nvSpPr>
+          <p:cNvPr id="15" name="Retângulo 14">
+            <a:extLst>
+              <a:ext uri="{FF2B5EF4-FFF2-40B4-BE49-F238E27FC236}">
+                <a16:creationId xmlns:a16="http://schemas.microsoft.com/office/drawing/2014/main" id="{05DAC774-1C85-C081-BC37-238E840875FF}"/>
+              </a:ext>
+            </a:extLst>
+          </p:cNvPr>
+          <p:cNvSpPr/>
+          <p:nvPr/>
+        </p:nvSpPr>
+        <p:spPr>
+          <a:xfrm>
+            <a:off x="632011" y="3488766"/>
+            <a:ext cx="10972800" cy="3024094"/>
+          </a:xfrm>
+          <a:prstGeom prst="rect">
+            <a:avLst/>
+          </a:prstGeom>
+        </p:spPr>
+        <p:style>
+          <a:lnRef idx="2">
+            <a:schemeClr val="accent1">
+              <a:shade val="15000"/>
+            </a:schemeClr>
+          </a:lnRef>
+          <a:fillRef idx="1">
+            <a:schemeClr val="accent1"/>
+          </a:fillRef>
+          <a:effectRef idx="0">
+            <a:schemeClr val="accent1"/>
+          </a:effectRef>
+          <a:fontRef idx="minor">
+            <a:schemeClr val="lt1"/>
+          </a:fontRef>
+        </p:style>
+        <p:txBody>
+          <a:bodyPr rtlCol="0" anchor="ctr"/>
+          <a:lstStyle/>
+          <a:p>
+            <a:pPr algn="ctr"/>
+            <a:endParaRPr lang="pt-BR"/>
+          </a:p>
+        </p:txBody>
+      </p:sp>
+    </p:spTree>
+    <p:extLst>
+      <p:ext uri="{BB962C8B-B14F-4D97-AF65-F5344CB8AC3E}">
+        <p14:creationId xmlns:p14="http://schemas.microsoft.com/office/powerpoint/2010/main" val="4097123878"/>
+      </p:ext>
+    </p:extLst>
+  </p:cSld>
+  <p:clrMapOvr>
+    <a:masterClrMapping/>
+  </p:clrMapOvr>
+</p:sld>
+</file>
+
 <file path=ppt/theme/theme1.xml><?xml version="1.0" encoding="utf-8"?>
 <a:theme xmlns:a="http://schemas.openxmlformats.org/drawingml/2006/main" name="Tema do Office">
   <a:themeElements>

--- a/telas_prototipo.pptx
+++ b/telas_prototipo.pptx
@@ -3508,256 +3508,6 @@
           </a:p>
         </p:txBody>
       </p:sp>
-      <p:sp>
-        <p:nvSpPr>
-          <p:cNvPr id="8" name="Retângulo 7">
-            <a:extLst>
-              <a:ext uri="{FF2B5EF4-FFF2-40B4-BE49-F238E27FC236}">
-                <a16:creationId xmlns:a16="http://schemas.microsoft.com/office/drawing/2014/main" id="{9BD6F462-A355-5577-3829-10DA771BF156}"/>
-              </a:ext>
-            </a:extLst>
-          </p:cNvPr>
-          <p:cNvSpPr/>
-          <p:nvPr/>
-        </p:nvSpPr>
-        <p:spPr>
-          <a:xfrm>
-            <a:off x="2716306" y="345140"/>
-            <a:ext cx="3303495" cy="466165"/>
-          </a:xfrm>
-          <a:prstGeom prst="rect">
-            <a:avLst/>
-          </a:prstGeom>
-        </p:spPr>
-        <p:style>
-          <a:lnRef idx="2">
-            <a:schemeClr val="dk1"/>
-          </a:lnRef>
-          <a:fillRef idx="1">
-            <a:schemeClr val="lt1"/>
-          </a:fillRef>
-          <a:effectRef idx="0">
-            <a:schemeClr val="dk1"/>
-          </a:effectRef>
-          <a:fontRef idx="minor">
-            <a:schemeClr val="dk1"/>
-          </a:fontRef>
-        </p:style>
-        <p:txBody>
-          <a:bodyPr rtlCol="0" anchor="ctr"/>
-          <a:lstStyle/>
-          <a:p>
-            <a:pPr algn="ctr"/>
-            <a:endParaRPr lang="pt-BR"/>
-          </a:p>
-        </p:txBody>
-      </p:sp>
-      <p:sp>
-        <p:nvSpPr>
-          <p:cNvPr id="9" name="CaixaDeTexto 8">
-            <a:extLst>
-              <a:ext uri="{FF2B5EF4-FFF2-40B4-BE49-F238E27FC236}">
-                <a16:creationId xmlns:a16="http://schemas.microsoft.com/office/drawing/2014/main" id="{1A4F6037-CEA1-77DB-A3EB-BEDFC1DDFB53}"/>
-              </a:ext>
-            </a:extLst>
-          </p:cNvPr>
-          <p:cNvSpPr txBox="1"/>
-          <p:nvPr/>
-        </p:nvSpPr>
-        <p:spPr>
-          <a:xfrm>
-            <a:off x="484094" y="393556"/>
-            <a:ext cx="1520160" cy="369332"/>
-          </a:xfrm>
-          <a:prstGeom prst="rect">
-            <a:avLst/>
-          </a:prstGeom>
-          <a:noFill/>
-        </p:spPr>
-        <p:txBody>
-          <a:bodyPr wrap="none" rtlCol="0">
-            <a:spAutoFit/>
-          </a:bodyPr>
-          <a:lstStyle/>
-          <a:p>
-            <a:r>
-              <a:rPr lang="pt-BR" dirty="0"/>
-              <a:t>Pesquisar por:</a:t>
-            </a:r>
-          </a:p>
-        </p:txBody>
-      </p:sp>
-      <p:sp>
-        <p:nvSpPr>
-          <p:cNvPr id="10" name="CaixaDeTexto 9">
-            <a:extLst>
-              <a:ext uri="{FF2B5EF4-FFF2-40B4-BE49-F238E27FC236}">
-                <a16:creationId xmlns:a16="http://schemas.microsoft.com/office/drawing/2014/main" id="{AF120688-84AC-ECB3-EAF7-FFDABE77A87E}"/>
-              </a:ext>
-            </a:extLst>
-          </p:cNvPr>
-          <p:cNvSpPr txBox="1"/>
-          <p:nvPr/>
-        </p:nvSpPr>
-        <p:spPr>
-          <a:xfrm>
-            <a:off x="6118411" y="412376"/>
-            <a:ext cx="823752" cy="369332"/>
-          </a:xfrm>
-          <a:prstGeom prst="rect">
-            <a:avLst/>
-          </a:prstGeom>
-          <a:noFill/>
-        </p:spPr>
-        <p:txBody>
-          <a:bodyPr wrap="none" rtlCol="0">
-            <a:spAutoFit/>
-          </a:bodyPr>
-          <a:lstStyle/>
-          <a:p>
-            <a:r>
-              <a:rPr lang="pt-BR" dirty="0"/>
-              <a:t>Filtros:</a:t>
-            </a:r>
-          </a:p>
-        </p:txBody>
-      </p:sp>
-      <p:sp>
-        <p:nvSpPr>
-          <p:cNvPr id="11" name="Retângulo 10">
-            <a:extLst>
-              <a:ext uri="{FF2B5EF4-FFF2-40B4-BE49-F238E27FC236}">
-                <a16:creationId xmlns:a16="http://schemas.microsoft.com/office/drawing/2014/main" id="{C310B136-12EA-5805-59D3-2B82BAFCFAC8}"/>
-              </a:ext>
-            </a:extLst>
-          </p:cNvPr>
-          <p:cNvSpPr/>
-          <p:nvPr/>
-        </p:nvSpPr>
-        <p:spPr>
-          <a:xfrm>
-            <a:off x="7085599" y="380997"/>
-            <a:ext cx="1730188" cy="417749"/>
-          </a:xfrm>
-          <a:prstGeom prst="rect">
-            <a:avLst/>
-          </a:prstGeom>
-        </p:spPr>
-        <p:style>
-          <a:lnRef idx="2">
-            <a:schemeClr val="dk1"/>
-          </a:lnRef>
-          <a:fillRef idx="1">
-            <a:schemeClr val="lt1"/>
-          </a:fillRef>
-          <a:effectRef idx="0">
-            <a:schemeClr val="dk1"/>
-          </a:effectRef>
-          <a:fontRef idx="minor">
-            <a:schemeClr val="dk1"/>
-          </a:fontRef>
-        </p:style>
-        <p:txBody>
-          <a:bodyPr rtlCol="0" anchor="ctr"/>
-          <a:lstStyle/>
-          <a:p>
-            <a:pPr algn="ctr"/>
-            <a:endParaRPr lang="pt-BR"/>
-          </a:p>
-        </p:txBody>
-      </p:sp>
-      <p:sp>
-        <p:nvSpPr>
-          <p:cNvPr id="12" name="Triângulo isósceles 11">
-            <a:extLst>
-              <a:ext uri="{FF2B5EF4-FFF2-40B4-BE49-F238E27FC236}">
-                <a16:creationId xmlns:a16="http://schemas.microsoft.com/office/drawing/2014/main" id="{C15F299E-9F90-F8C8-5D4F-AE41D7E81F5C}"/>
-              </a:ext>
-            </a:extLst>
-          </p:cNvPr>
-          <p:cNvSpPr/>
-          <p:nvPr/>
-        </p:nvSpPr>
-        <p:spPr>
-          <a:xfrm rot="10800000">
-            <a:off x="8397424" y="480054"/>
-            <a:ext cx="323732" cy="196336"/>
-          </a:xfrm>
-          <a:prstGeom prst="triangle">
-            <a:avLst/>
-          </a:prstGeom>
-        </p:spPr>
-        <p:style>
-          <a:lnRef idx="2">
-            <a:schemeClr val="dk1">
-              <a:shade val="15000"/>
-            </a:schemeClr>
-          </a:lnRef>
-          <a:fillRef idx="1">
-            <a:schemeClr val="dk1"/>
-          </a:fillRef>
-          <a:effectRef idx="0">
-            <a:schemeClr val="dk1"/>
-          </a:effectRef>
-          <a:fontRef idx="minor">
-            <a:schemeClr val="lt1"/>
-          </a:fontRef>
-        </p:style>
-        <p:txBody>
-          <a:bodyPr rtlCol="0" anchor="ctr"/>
-          <a:lstStyle/>
-          <a:p>
-            <a:pPr algn="ctr"/>
-            <a:endParaRPr lang="pt-BR"/>
-          </a:p>
-        </p:txBody>
-      </p:sp>
-      <p:sp>
-        <p:nvSpPr>
-          <p:cNvPr id="13" name="Triângulo isósceles 12">
-            <a:extLst>
-              <a:ext uri="{FF2B5EF4-FFF2-40B4-BE49-F238E27FC236}">
-                <a16:creationId xmlns:a16="http://schemas.microsoft.com/office/drawing/2014/main" id="{540F7E5F-D3F2-08EF-39A7-388C9E39C332}"/>
-              </a:ext>
-            </a:extLst>
-          </p:cNvPr>
-          <p:cNvSpPr/>
-          <p:nvPr/>
-        </p:nvSpPr>
-        <p:spPr>
-          <a:xfrm rot="10800000">
-            <a:off x="2014193" y="498874"/>
-            <a:ext cx="323732" cy="196336"/>
-          </a:xfrm>
-          <a:prstGeom prst="triangle">
-            <a:avLst/>
-          </a:prstGeom>
-        </p:spPr>
-        <p:style>
-          <a:lnRef idx="2">
-            <a:schemeClr val="dk1">
-              <a:shade val="15000"/>
-            </a:schemeClr>
-          </a:lnRef>
-          <a:fillRef idx="1">
-            <a:schemeClr val="dk1"/>
-          </a:fillRef>
-          <a:effectRef idx="0">
-            <a:schemeClr val="dk1"/>
-          </a:effectRef>
-          <a:fontRef idx="minor">
-            <a:schemeClr val="lt1"/>
-          </a:fontRef>
-        </p:style>
-        <p:txBody>
-          <a:bodyPr rtlCol="0" anchor="ctr"/>
-          <a:lstStyle/>
-          <a:p>
-            <a:pPr algn="ctr"/>
-            <a:endParaRPr lang="pt-BR"/>
-          </a:p>
-        </p:txBody>
-      </p:sp>
       <p:graphicFrame>
         <p:nvGraphicFramePr>
           <p:cNvPr id="14" name="Tabela 13">

--- a/telas_prototipo.pptx
+++ b/telas_prototipo.pptx
@@ -5,8 +5,8 @@
     <p:sldMasterId id="2147483648" r:id="rId1"/>
   </p:sldMasterIdLst>
   <p:sldIdLst>
-    <p:sldId id="256" r:id="rId2"/>
-    <p:sldId id="258" r:id="rId3"/>
+    <p:sldId id="258" r:id="rId2"/>
+    <p:sldId id="256" r:id="rId3"/>
   </p:sldIdLst>
   <p:sldSz cx="12192000" cy="6858000"/>
   <p:notesSz cx="6858000" cy="9144000"/>
@@ -3508,904 +3508,6 @@
           </a:p>
         </p:txBody>
       </p:sp>
-      <p:graphicFrame>
-        <p:nvGraphicFramePr>
-          <p:cNvPr id="14" name="Tabela 13">
-            <a:extLst>
-              <a:ext uri="{FF2B5EF4-FFF2-40B4-BE49-F238E27FC236}">
-                <a16:creationId xmlns:a16="http://schemas.microsoft.com/office/drawing/2014/main" id="{418B1A4A-39DA-5A50-7054-2F585AE3F871}"/>
-              </a:ext>
-            </a:extLst>
-          </p:cNvPr>
-          <p:cNvGraphicFramePr>
-            <a:graphicFrameLocks noGrp="1"/>
-          </p:cNvGraphicFramePr>
-          <p:nvPr>
-            <p:extLst>
-              <p:ext uri="{D42A27DB-BD31-4B8C-83A1-F6EECF244321}">
-                <p14:modId xmlns:p14="http://schemas.microsoft.com/office/powerpoint/2010/main" val="23632384"/>
-              </p:ext>
-            </p:extLst>
-          </p:nvPr>
-        </p:nvGraphicFramePr>
-        <p:xfrm>
-          <a:off x="2004254" y="1445807"/>
-          <a:ext cx="8128000" cy="1854200"/>
-        </p:xfrm>
-        <a:graphic>
-          <a:graphicData uri="http://schemas.openxmlformats.org/drawingml/2006/table">
-            <a:tbl>
-              <a:tblPr firstRow="1" bandRow="1">
-                <a:tableStyleId>{5C22544A-7EE6-4342-B048-85BDC9FD1C3A}</a:tableStyleId>
-              </a:tblPr>
-              <a:tblGrid>
-                <a:gridCol w="812800">
-                  <a:extLst>
-                    <a:ext uri="{9D8B030D-6E8A-4147-A177-3AD203B41FA5}">
-                      <a16:colId xmlns:a16="http://schemas.microsoft.com/office/drawing/2014/main" val="3032401669"/>
-                    </a:ext>
-                  </a:extLst>
-                </a:gridCol>
-                <a:gridCol w="812800">
-                  <a:extLst>
-                    <a:ext uri="{9D8B030D-6E8A-4147-A177-3AD203B41FA5}">
-                      <a16:colId xmlns:a16="http://schemas.microsoft.com/office/drawing/2014/main" val="409129525"/>
-                    </a:ext>
-                  </a:extLst>
-                </a:gridCol>
-                <a:gridCol w="812800">
-                  <a:extLst>
-                    <a:ext uri="{9D8B030D-6E8A-4147-A177-3AD203B41FA5}">
-                      <a16:colId xmlns:a16="http://schemas.microsoft.com/office/drawing/2014/main" val="1613095802"/>
-                    </a:ext>
-                  </a:extLst>
-                </a:gridCol>
-                <a:gridCol w="812800">
-                  <a:extLst>
-                    <a:ext uri="{9D8B030D-6E8A-4147-A177-3AD203B41FA5}">
-                      <a16:colId xmlns:a16="http://schemas.microsoft.com/office/drawing/2014/main" val="3202455393"/>
-                    </a:ext>
-                  </a:extLst>
-                </a:gridCol>
-                <a:gridCol w="812800">
-                  <a:extLst>
-                    <a:ext uri="{9D8B030D-6E8A-4147-A177-3AD203B41FA5}">
-                      <a16:colId xmlns:a16="http://schemas.microsoft.com/office/drawing/2014/main" val="7837860"/>
-                    </a:ext>
-                  </a:extLst>
-                </a:gridCol>
-                <a:gridCol w="812800">
-                  <a:extLst>
-                    <a:ext uri="{9D8B030D-6E8A-4147-A177-3AD203B41FA5}">
-                      <a16:colId xmlns:a16="http://schemas.microsoft.com/office/drawing/2014/main" val="758005985"/>
-                    </a:ext>
-                  </a:extLst>
-                </a:gridCol>
-                <a:gridCol w="812800">
-                  <a:extLst>
-                    <a:ext uri="{9D8B030D-6E8A-4147-A177-3AD203B41FA5}">
-                      <a16:colId xmlns:a16="http://schemas.microsoft.com/office/drawing/2014/main" val="1387080688"/>
-                    </a:ext>
-                  </a:extLst>
-                </a:gridCol>
-                <a:gridCol w="812800">
-                  <a:extLst>
-                    <a:ext uri="{9D8B030D-6E8A-4147-A177-3AD203B41FA5}">
-                      <a16:colId xmlns:a16="http://schemas.microsoft.com/office/drawing/2014/main" val="1814117503"/>
-                    </a:ext>
-                  </a:extLst>
-                </a:gridCol>
-                <a:gridCol w="812800">
-                  <a:extLst>
-                    <a:ext uri="{9D8B030D-6E8A-4147-A177-3AD203B41FA5}">
-                      <a16:colId xmlns:a16="http://schemas.microsoft.com/office/drawing/2014/main" val="4123957779"/>
-                    </a:ext>
-                  </a:extLst>
-                </a:gridCol>
-                <a:gridCol w="812800">
-                  <a:extLst>
-                    <a:ext uri="{9D8B030D-6E8A-4147-A177-3AD203B41FA5}">
-                      <a16:colId xmlns:a16="http://schemas.microsoft.com/office/drawing/2014/main" val="3635530838"/>
-                    </a:ext>
-                  </a:extLst>
-                </a:gridCol>
-              </a:tblGrid>
-              <a:tr h="370840">
-                <a:tc>
-                  <a:txBody>
-                    <a:bodyPr/>
-                    <a:lstStyle/>
-                    <a:p>
-                      <a:endParaRPr lang="pt-BR"/>
-                    </a:p>
-                  </a:txBody>
-                  <a:tcPr/>
-                </a:tc>
-                <a:tc>
-                  <a:txBody>
-                    <a:bodyPr/>
-                    <a:lstStyle/>
-                    <a:p>
-                      <a:endParaRPr lang="pt-BR"/>
-                    </a:p>
-                  </a:txBody>
-                  <a:tcPr/>
-                </a:tc>
-                <a:tc>
-                  <a:txBody>
-                    <a:bodyPr/>
-                    <a:lstStyle/>
-                    <a:p>
-                      <a:endParaRPr lang="pt-BR"/>
-                    </a:p>
-                  </a:txBody>
-                  <a:tcPr/>
-                </a:tc>
-                <a:tc>
-                  <a:txBody>
-                    <a:bodyPr/>
-                    <a:lstStyle/>
-                    <a:p>
-                      <a:endParaRPr lang="pt-BR"/>
-                    </a:p>
-                  </a:txBody>
-                  <a:tcPr/>
-                </a:tc>
-                <a:tc>
-                  <a:txBody>
-                    <a:bodyPr/>
-                    <a:lstStyle/>
-                    <a:p>
-                      <a:endParaRPr lang="pt-BR"/>
-                    </a:p>
-                  </a:txBody>
-                  <a:tcPr/>
-                </a:tc>
-                <a:tc>
-                  <a:txBody>
-                    <a:bodyPr/>
-                    <a:lstStyle/>
-                    <a:p>
-                      <a:endParaRPr lang="pt-BR"/>
-                    </a:p>
-                  </a:txBody>
-                  <a:tcPr/>
-                </a:tc>
-                <a:tc>
-                  <a:txBody>
-                    <a:bodyPr/>
-                    <a:lstStyle/>
-                    <a:p>
-                      <a:endParaRPr lang="pt-BR"/>
-                    </a:p>
-                  </a:txBody>
-                  <a:tcPr/>
-                </a:tc>
-                <a:tc>
-                  <a:txBody>
-                    <a:bodyPr/>
-                    <a:lstStyle/>
-                    <a:p>
-                      <a:endParaRPr lang="pt-BR"/>
-                    </a:p>
-                  </a:txBody>
-                  <a:tcPr/>
-                </a:tc>
-                <a:tc>
-                  <a:txBody>
-                    <a:bodyPr/>
-                    <a:lstStyle/>
-                    <a:p>
-                      <a:endParaRPr lang="pt-BR"/>
-                    </a:p>
-                  </a:txBody>
-                  <a:tcPr/>
-                </a:tc>
-                <a:tc>
-                  <a:txBody>
-                    <a:bodyPr/>
-                    <a:lstStyle/>
-                    <a:p>
-                      <a:endParaRPr lang="pt-BR"/>
-                    </a:p>
-                  </a:txBody>
-                  <a:tcPr/>
-                </a:tc>
-                <a:extLst>
-                  <a:ext uri="{0D108BD9-81ED-4DB2-BD59-A6C34878D82A}">
-                    <a16:rowId xmlns:a16="http://schemas.microsoft.com/office/drawing/2014/main" val="1263570921"/>
-                  </a:ext>
-                </a:extLst>
-              </a:tr>
-              <a:tr h="370840">
-                <a:tc>
-                  <a:txBody>
-                    <a:bodyPr/>
-                    <a:lstStyle/>
-                    <a:p>
-                      <a:endParaRPr lang="pt-BR"/>
-                    </a:p>
-                  </a:txBody>
-                  <a:tcPr/>
-                </a:tc>
-                <a:tc>
-                  <a:txBody>
-                    <a:bodyPr/>
-                    <a:lstStyle/>
-                    <a:p>
-                      <a:endParaRPr lang="pt-BR"/>
-                    </a:p>
-                  </a:txBody>
-                  <a:tcPr/>
-                </a:tc>
-                <a:tc>
-                  <a:txBody>
-                    <a:bodyPr/>
-                    <a:lstStyle/>
-                    <a:p>
-                      <a:endParaRPr lang="pt-BR"/>
-                    </a:p>
-                  </a:txBody>
-                  <a:tcPr/>
-                </a:tc>
-                <a:tc>
-                  <a:txBody>
-                    <a:bodyPr/>
-                    <a:lstStyle/>
-                    <a:p>
-                      <a:endParaRPr lang="pt-BR"/>
-                    </a:p>
-                  </a:txBody>
-                  <a:tcPr/>
-                </a:tc>
-                <a:tc>
-                  <a:txBody>
-                    <a:bodyPr/>
-                    <a:lstStyle/>
-                    <a:p>
-                      <a:endParaRPr lang="pt-BR"/>
-                    </a:p>
-                  </a:txBody>
-                  <a:tcPr/>
-                </a:tc>
-                <a:tc>
-                  <a:txBody>
-                    <a:bodyPr/>
-                    <a:lstStyle/>
-                    <a:p>
-                      <a:endParaRPr lang="pt-BR"/>
-                    </a:p>
-                  </a:txBody>
-                  <a:tcPr/>
-                </a:tc>
-                <a:tc>
-                  <a:txBody>
-                    <a:bodyPr/>
-                    <a:lstStyle/>
-                    <a:p>
-                      <a:endParaRPr lang="pt-BR"/>
-                    </a:p>
-                  </a:txBody>
-                  <a:tcPr/>
-                </a:tc>
-                <a:tc>
-                  <a:txBody>
-                    <a:bodyPr/>
-                    <a:lstStyle/>
-                    <a:p>
-                      <a:endParaRPr lang="pt-BR"/>
-                    </a:p>
-                  </a:txBody>
-                  <a:tcPr/>
-                </a:tc>
-                <a:tc>
-                  <a:txBody>
-                    <a:bodyPr/>
-                    <a:lstStyle/>
-                    <a:p>
-                      <a:endParaRPr lang="pt-BR"/>
-                    </a:p>
-                  </a:txBody>
-                  <a:tcPr/>
-                </a:tc>
-                <a:tc>
-                  <a:txBody>
-                    <a:bodyPr/>
-                    <a:lstStyle/>
-                    <a:p>
-                      <a:endParaRPr lang="pt-BR" dirty="0"/>
-                    </a:p>
-                  </a:txBody>
-                  <a:tcPr/>
-                </a:tc>
-                <a:extLst>
-                  <a:ext uri="{0D108BD9-81ED-4DB2-BD59-A6C34878D82A}">
-                    <a16:rowId xmlns:a16="http://schemas.microsoft.com/office/drawing/2014/main" val="662475310"/>
-                  </a:ext>
-                </a:extLst>
-              </a:tr>
-              <a:tr h="370840">
-                <a:tc>
-                  <a:txBody>
-                    <a:bodyPr/>
-                    <a:lstStyle/>
-                    <a:p>
-                      <a:endParaRPr lang="pt-BR"/>
-                    </a:p>
-                  </a:txBody>
-                  <a:tcPr/>
-                </a:tc>
-                <a:tc>
-                  <a:txBody>
-                    <a:bodyPr/>
-                    <a:lstStyle/>
-                    <a:p>
-                      <a:endParaRPr lang="pt-BR"/>
-                    </a:p>
-                  </a:txBody>
-                  <a:tcPr/>
-                </a:tc>
-                <a:tc>
-                  <a:txBody>
-                    <a:bodyPr/>
-                    <a:lstStyle/>
-                    <a:p>
-                      <a:endParaRPr lang="pt-BR"/>
-                    </a:p>
-                  </a:txBody>
-                  <a:tcPr/>
-                </a:tc>
-                <a:tc>
-                  <a:txBody>
-                    <a:bodyPr/>
-                    <a:lstStyle/>
-                    <a:p>
-                      <a:endParaRPr lang="pt-BR"/>
-                    </a:p>
-                  </a:txBody>
-                  <a:tcPr/>
-                </a:tc>
-                <a:tc>
-                  <a:txBody>
-                    <a:bodyPr/>
-                    <a:lstStyle/>
-                    <a:p>
-                      <a:endParaRPr lang="pt-BR"/>
-                    </a:p>
-                  </a:txBody>
-                  <a:tcPr/>
-                </a:tc>
-                <a:tc>
-                  <a:txBody>
-                    <a:bodyPr/>
-                    <a:lstStyle/>
-                    <a:p>
-                      <a:endParaRPr lang="pt-BR"/>
-                    </a:p>
-                  </a:txBody>
-                  <a:tcPr/>
-                </a:tc>
-                <a:tc>
-                  <a:txBody>
-                    <a:bodyPr/>
-                    <a:lstStyle/>
-                    <a:p>
-                      <a:endParaRPr lang="pt-BR"/>
-                    </a:p>
-                  </a:txBody>
-                  <a:tcPr/>
-                </a:tc>
-                <a:tc>
-                  <a:txBody>
-                    <a:bodyPr/>
-                    <a:lstStyle/>
-                    <a:p>
-                      <a:endParaRPr lang="pt-BR"/>
-                    </a:p>
-                  </a:txBody>
-                  <a:tcPr/>
-                </a:tc>
-                <a:tc>
-                  <a:txBody>
-                    <a:bodyPr/>
-                    <a:lstStyle/>
-                    <a:p>
-                      <a:endParaRPr lang="pt-BR"/>
-                    </a:p>
-                  </a:txBody>
-                  <a:tcPr/>
-                </a:tc>
-                <a:tc>
-                  <a:txBody>
-                    <a:bodyPr/>
-                    <a:lstStyle/>
-                    <a:p>
-                      <a:endParaRPr lang="pt-BR"/>
-                    </a:p>
-                  </a:txBody>
-                  <a:tcPr/>
-                </a:tc>
-                <a:extLst>
-                  <a:ext uri="{0D108BD9-81ED-4DB2-BD59-A6C34878D82A}">
-                    <a16:rowId xmlns:a16="http://schemas.microsoft.com/office/drawing/2014/main" val="2565013216"/>
-                  </a:ext>
-                </a:extLst>
-              </a:tr>
-              <a:tr h="370840">
-                <a:tc>
-                  <a:txBody>
-                    <a:bodyPr/>
-                    <a:lstStyle/>
-                    <a:p>
-                      <a:endParaRPr lang="pt-BR"/>
-                    </a:p>
-                  </a:txBody>
-                  <a:tcPr/>
-                </a:tc>
-                <a:tc>
-                  <a:txBody>
-                    <a:bodyPr/>
-                    <a:lstStyle/>
-                    <a:p>
-                      <a:endParaRPr lang="pt-BR"/>
-                    </a:p>
-                  </a:txBody>
-                  <a:tcPr/>
-                </a:tc>
-                <a:tc>
-                  <a:txBody>
-                    <a:bodyPr/>
-                    <a:lstStyle/>
-                    <a:p>
-                      <a:endParaRPr lang="pt-BR"/>
-                    </a:p>
-                  </a:txBody>
-                  <a:tcPr/>
-                </a:tc>
-                <a:tc>
-                  <a:txBody>
-                    <a:bodyPr/>
-                    <a:lstStyle/>
-                    <a:p>
-                      <a:endParaRPr lang="pt-BR"/>
-                    </a:p>
-                  </a:txBody>
-                  <a:tcPr/>
-                </a:tc>
-                <a:tc>
-                  <a:txBody>
-                    <a:bodyPr/>
-                    <a:lstStyle/>
-                    <a:p>
-                      <a:endParaRPr lang="pt-BR"/>
-                    </a:p>
-                  </a:txBody>
-                  <a:tcPr/>
-                </a:tc>
-                <a:tc>
-                  <a:txBody>
-                    <a:bodyPr/>
-                    <a:lstStyle/>
-                    <a:p>
-                      <a:endParaRPr lang="pt-BR"/>
-                    </a:p>
-                  </a:txBody>
-                  <a:tcPr/>
-                </a:tc>
-                <a:tc>
-                  <a:txBody>
-                    <a:bodyPr/>
-                    <a:lstStyle/>
-                    <a:p>
-                      <a:endParaRPr lang="pt-BR"/>
-                    </a:p>
-                  </a:txBody>
-                  <a:tcPr/>
-                </a:tc>
-                <a:tc>
-                  <a:txBody>
-                    <a:bodyPr/>
-                    <a:lstStyle/>
-                    <a:p>
-                      <a:endParaRPr lang="pt-BR"/>
-                    </a:p>
-                  </a:txBody>
-                  <a:tcPr/>
-                </a:tc>
-                <a:tc>
-                  <a:txBody>
-                    <a:bodyPr/>
-                    <a:lstStyle/>
-                    <a:p>
-                      <a:endParaRPr lang="pt-BR"/>
-                    </a:p>
-                  </a:txBody>
-                  <a:tcPr/>
-                </a:tc>
-                <a:tc>
-                  <a:txBody>
-                    <a:bodyPr/>
-                    <a:lstStyle/>
-                    <a:p>
-                      <a:endParaRPr lang="pt-BR"/>
-                    </a:p>
-                  </a:txBody>
-                  <a:tcPr/>
-                </a:tc>
-                <a:extLst>
-                  <a:ext uri="{0D108BD9-81ED-4DB2-BD59-A6C34878D82A}">
-                    <a16:rowId xmlns:a16="http://schemas.microsoft.com/office/drawing/2014/main" val="3328745633"/>
-                  </a:ext>
-                </a:extLst>
-              </a:tr>
-              <a:tr h="370840">
-                <a:tc>
-                  <a:txBody>
-                    <a:bodyPr/>
-                    <a:lstStyle/>
-                    <a:p>
-                      <a:endParaRPr lang="pt-BR"/>
-                    </a:p>
-                  </a:txBody>
-                  <a:tcPr/>
-                </a:tc>
-                <a:tc>
-                  <a:txBody>
-                    <a:bodyPr/>
-                    <a:lstStyle/>
-                    <a:p>
-                      <a:endParaRPr lang="pt-BR"/>
-                    </a:p>
-                  </a:txBody>
-                  <a:tcPr/>
-                </a:tc>
-                <a:tc>
-                  <a:txBody>
-                    <a:bodyPr/>
-                    <a:lstStyle/>
-                    <a:p>
-                      <a:endParaRPr lang="pt-BR"/>
-                    </a:p>
-                  </a:txBody>
-                  <a:tcPr/>
-                </a:tc>
-                <a:tc>
-                  <a:txBody>
-                    <a:bodyPr/>
-                    <a:lstStyle/>
-                    <a:p>
-                      <a:endParaRPr lang="pt-BR"/>
-                    </a:p>
-                  </a:txBody>
-                  <a:tcPr/>
-                </a:tc>
-                <a:tc>
-                  <a:txBody>
-                    <a:bodyPr/>
-                    <a:lstStyle/>
-                    <a:p>
-                      <a:endParaRPr lang="pt-BR"/>
-                    </a:p>
-                  </a:txBody>
-                  <a:tcPr/>
-                </a:tc>
-                <a:tc>
-                  <a:txBody>
-                    <a:bodyPr/>
-                    <a:lstStyle/>
-                    <a:p>
-                      <a:endParaRPr lang="pt-BR"/>
-                    </a:p>
-                  </a:txBody>
-                  <a:tcPr/>
-                </a:tc>
-                <a:tc>
-                  <a:txBody>
-                    <a:bodyPr/>
-                    <a:lstStyle/>
-                    <a:p>
-                      <a:endParaRPr lang="pt-BR"/>
-                    </a:p>
-                  </a:txBody>
-                  <a:tcPr/>
-                </a:tc>
-                <a:tc>
-                  <a:txBody>
-                    <a:bodyPr/>
-                    <a:lstStyle/>
-                    <a:p>
-                      <a:endParaRPr lang="pt-BR"/>
-                    </a:p>
-                  </a:txBody>
-                  <a:tcPr/>
-                </a:tc>
-                <a:tc>
-                  <a:txBody>
-                    <a:bodyPr/>
-                    <a:lstStyle/>
-                    <a:p>
-                      <a:endParaRPr lang="pt-BR"/>
-                    </a:p>
-                  </a:txBody>
-                  <a:tcPr/>
-                </a:tc>
-                <a:tc>
-                  <a:txBody>
-                    <a:bodyPr/>
-                    <a:lstStyle/>
-                    <a:p>
-                      <a:endParaRPr lang="pt-BR" dirty="0"/>
-                    </a:p>
-                  </a:txBody>
-                  <a:tcPr/>
-                </a:tc>
-                <a:extLst>
-                  <a:ext uri="{0D108BD9-81ED-4DB2-BD59-A6C34878D82A}">
-                    <a16:rowId xmlns:a16="http://schemas.microsoft.com/office/drawing/2014/main" val="2921470368"/>
-                  </a:ext>
-                </a:extLst>
-              </a:tr>
-            </a:tbl>
-          </a:graphicData>
-        </a:graphic>
-      </p:graphicFrame>
-      <p:sp>
-        <p:nvSpPr>
-          <p:cNvPr id="15" name="Retângulo 14">
-            <a:extLst>
-              <a:ext uri="{FF2B5EF4-FFF2-40B4-BE49-F238E27FC236}">
-                <a16:creationId xmlns:a16="http://schemas.microsoft.com/office/drawing/2014/main" id="{05DAC774-1C85-C081-BC37-238E840875FF}"/>
-              </a:ext>
-            </a:extLst>
-          </p:cNvPr>
-          <p:cNvSpPr/>
-          <p:nvPr/>
-        </p:nvSpPr>
-        <p:spPr>
-          <a:xfrm>
-            <a:off x="632011" y="3556000"/>
-            <a:ext cx="10972800" cy="3024094"/>
-          </a:xfrm>
-          <a:prstGeom prst="rect">
-            <a:avLst/>
-          </a:prstGeom>
-        </p:spPr>
-        <p:style>
-          <a:lnRef idx="2">
-            <a:schemeClr val="accent1">
-              <a:shade val="15000"/>
-            </a:schemeClr>
-          </a:lnRef>
-          <a:fillRef idx="1">
-            <a:schemeClr val="accent1"/>
-          </a:fillRef>
-          <a:effectRef idx="0">
-            <a:schemeClr val="accent1"/>
-          </a:effectRef>
-          <a:fontRef idx="minor">
-            <a:schemeClr val="lt1"/>
-          </a:fontRef>
-        </p:style>
-        <p:txBody>
-          <a:bodyPr rtlCol="0" anchor="ctr"/>
-          <a:lstStyle/>
-          <a:p>
-            <a:pPr algn="ctr"/>
-            <a:endParaRPr lang="pt-BR"/>
-          </a:p>
-        </p:txBody>
-      </p:sp>
-    </p:spTree>
-    <p:extLst>
-      <p:ext uri="{BB962C8B-B14F-4D97-AF65-F5344CB8AC3E}">
-        <p14:creationId xmlns:p14="http://schemas.microsoft.com/office/powerpoint/2010/main" val="1988582634"/>
-      </p:ext>
-    </p:extLst>
-  </p:cSld>
-  <p:clrMapOvr>
-    <a:masterClrMapping/>
-  </p:clrMapOvr>
-</p:sld>
-</file>
-
-<file path=ppt/slides/slide2.xml><?xml version="1.0" encoding="utf-8"?>
-<p:sld xmlns:a="http://schemas.openxmlformats.org/drawingml/2006/main" xmlns:r="http://schemas.openxmlformats.org/officeDocument/2006/relationships" xmlns:p="http://schemas.openxmlformats.org/presentationml/2006/main">
-  <p:cSld>
-    <p:spTree>
-      <p:nvGrpSpPr>
-        <p:cNvPr id="1" name=""/>
-        <p:cNvGrpSpPr/>
-        <p:nvPr/>
-      </p:nvGrpSpPr>
-      <p:grpSpPr>
-        <a:xfrm>
-          <a:off x="0" y="0"/>
-          <a:ext cx="0" cy="0"/>
-          <a:chOff x="0" y="0"/>
-          <a:chExt cx="0" cy="0"/>
-        </a:xfrm>
-      </p:grpSpPr>
-      <p:sp>
-        <p:nvSpPr>
-          <p:cNvPr id="4" name="Retângulo 3">
-            <a:extLst>
-              <a:ext uri="{FF2B5EF4-FFF2-40B4-BE49-F238E27FC236}">
-                <a16:creationId xmlns:a16="http://schemas.microsoft.com/office/drawing/2014/main" id="{C312BE5B-D3AC-0075-F3FE-8E8B9C776629}"/>
-              </a:ext>
-            </a:extLst>
-          </p:cNvPr>
-          <p:cNvSpPr/>
-          <p:nvPr/>
-        </p:nvSpPr>
-        <p:spPr>
-          <a:xfrm>
-            <a:off x="394447" y="277906"/>
-            <a:ext cx="11447929" cy="6355976"/>
-          </a:xfrm>
-          <a:prstGeom prst="rect">
-            <a:avLst/>
-          </a:prstGeom>
-        </p:spPr>
-        <p:style>
-          <a:lnRef idx="2">
-            <a:schemeClr val="dk1"/>
-          </a:lnRef>
-          <a:fillRef idx="1">
-            <a:schemeClr val="lt1"/>
-          </a:fillRef>
-          <a:effectRef idx="0">
-            <a:schemeClr val="dk1"/>
-          </a:effectRef>
-          <a:fontRef idx="minor">
-            <a:schemeClr val="dk1"/>
-          </a:fontRef>
-        </p:style>
-        <p:txBody>
-          <a:bodyPr rtlCol="0" anchor="ctr"/>
-          <a:lstStyle/>
-          <a:p>
-            <a:pPr algn="ctr"/>
-            <a:endParaRPr lang="pt-BR"/>
-          </a:p>
-        </p:txBody>
-      </p:sp>
-      <p:sp>
-        <p:nvSpPr>
-          <p:cNvPr id="5" name="Retângulo 4">
-            <a:extLst>
-              <a:ext uri="{FF2B5EF4-FFF2-40B4-BE49-F238E27FC236}">
-                <a16:creationId xmlns:a16="http://schemas.microsoft.com/office/drawing/2014/main" id="{6E1071E7-FA4F-E9D8-67F7-3EDEBC9DFB9A}"/>
-              </a:ext>
-            </a:extLst>
-          </p:cNvPr>
-          <p:cNvSpPr/>
-          <p:nvPr/>
-        </p:nvSpPr>
-        <p:spPr>
-          <a:xfrm>
-            <a:off x="394447" y="277906"/>
-            <a:ext cx="11447929" cy="600635"/>
-          </a:xfrm>
-          <a:prstGeom prst="rect">
-            <a:avLst/>
-          </a:prstGeom>
-        </p:spPr>
-        <p:style>
-          <a:lnRef idx="2">
-            <a:schemeClr val="dk1"/>
-          </a:lnRef>
-          <a:fillRef idx="1">
-            <a:schemeClr val="lt1"/>
-          </a:fillRef>
-          <a:effectRef idx="0">
-            <a:schemeClr val="dk1"/>
-          </a:effectRef>
-          <a:fontRef idx="minor">
-            <a:schemeClr val="dk1"/>
-          </a:fontRef>
-        </p:style>
-        <p:txBody>
-          <a:bodyPr rtlCol="0" anchor="ctr"/>
-          <a:lstStyle/>
-          <a:p>
-            <a:pPr algn="ctr"/>
-            <a:endParaRPr lang="pt-BR"/>
-          </a:p>
-        </p:txBody>
-      </p:sp>
-      <p:sp>
-        <p:nvSpPr>
-          <p:cNvPr id="6" name="Retângulo 5">
-            <a:extLst>
-              <a:ext uri="{FF2B5EF4-FFF2-40B4-BE49-F238E27FC236}">
-                <a16:creationId xmlns:a16="http://schemas.microsoft.com/office/drawing/2014/main" id="{5530C61D-2089-6C22-DDCF-4972611F15E4}"/>
-              </a:ext>
-            </a:extLst>
-          </p:cNvPr>
-          <p:cNvSpPr/>
-          <p:nvPr/>
-        </p:nvSpPr>
-        <p:spPr>
-          <a:xfrm>
-            <a:off x="9350188" y="277906"/>
-            <a:ext cx="2492188" cy="600635"/>
-          </a:xfrm>
-          <a:prstGeom prst="rect">
-            <a:avLst/>
-          </a:prstGeom>
-        </p:spPr>
-        <p:style>
-          <a:lnRef idx="2">
-            <a:schemeClr val="dk1"/>
-          </a:lnRef>
-          <a:fillRef idx="1">
-            <a:schemeClr val="lt1"/>
-          </a:fillRef>
-          <a:effectRef idx="0">
-            <a:schemeClr val="dk1"/>
-          </a:effectRef>
-          <a:fontRef idx="minor">
-            <a:schemeClr val="dk1"/>
-          </a:fontRef>
-        </p:style>
-        <p:txBody>
-          <a:bodyPr rtlCol="0" anchor="ctr"/>
-          <a:lstStyle/>
-          <a:p>
-            <a:pPr algn="ctr"/>
-            <a:r>
-              <a:rPr lang="pt-BR" dirty="0"/>
-              <a:t>Meu perfil </a:t>
-            </a:r>
-          </a:p>
-        </p:txBody>
-      </p:sp>
-      <p:sp>
-        <p:nvSpPr>
-          <p:cNvPr id="7" name="Triângulo isósceles 6">
-            <a:extLst>
-              <a:ext uri="{FF2B5EF4-FFF2-40B4-BE49-F238E27FC236}">
-                <a16:creationId xmlns:a16="http://schemas.microsoft.com/office/drawing/2014/main" id="{50017FB8-6278-4B59-A668-5E010910738E}"/>
-              </a:ext>
-            </a:extLst>
-          </p:cNvPr>
-          <p:cNvSpPr/>
-          <p:nvPr/>
-        </p:nvSpPr>
-        <p:spPr>
-          <a:xfrm rot="10800000">
-            <a:off x="11223812" y="412376"/>
-            <a:ext cx="484094" cy="331694"/>
-          </a:xfrm>
-          <a:prstGeom prst="triangle">
-            <a:avLst/>
-          </a:prstGeom>
-        </p:spPr>
-        <p:style>
-          <a:lnRef idx="2">
-            <a:schemeClr val="dk1">
-              <a:shade val="15000"/>
-            </a:schemeClr>
-          </a:lnRef>
-          <a:fillRef idx="1">
-            <a:schemeClr val="dk1"/>
-          </a:fillRef>
-          <a:effectRef idx="0">
-            <a:schemeClr val="dk1"/>
-          </a:effectRef>
-          <a:fontRef idx="minor">
-            <a:schemeClr val="lt1"/>
-          </a:fontRef>
-        </p:style>
-        <p:txBody>
-          <a:bodyPr rtlCol="0" anchor="ctr"/>
-          <a:lstStyle/>
-          <a:p>
-            <a:pPr algn="ctr"/>
-            <a:endParaRPr lang="pt-BR"/>
-          </a:p>
-        </p:txBody>
-      </p:sp>
       <p:sp>
         <p:nvSpPr>
           <p:cNvPr id="8" name="Retângulo 7">
@@ -5341,6 +4443,974 @@
     <p:extLst>
       <p:ext uri="{BB962C8B-B14F-4D97-AF65-F5344CB8AC3E}">
         <p14:creationId xmlns:p14="http://schemas.microsoft.com/office/powerpoint/2010/main" val="4097123878"/>
+      </p:ext>
+    </p:extLst>
+  </p:cSld>
+  <p:clrMapOvr>
+    <a:masterClrMapping/>
+  </p:clrMapOvr>
+</p:sld>
+</file>
+
+<file path=ppt/slides/slide2.xml><?xml version="1.0" encoding="utf-8"?>
+<p:sld xmlns:a="http://schemas.openxmlformats.org/drawingml/2006/main" xmlns:r="http://schemas.openxmlformats.org/officeDocument/2006/relationships" xmlns:p="http://schemas.openxmlformats.org/presentationml/2006/main">
+  <p:cSld>
+    <p:spTree>
+      <p:nvGrpSpPr>
+        <p:cNvPr id="1" name=""/>
+        <p:cNvGrpSpPr/>
+        <p:nvPr/>
+      </p:nvGrpSpPr>
+      <p:grpSpPr>
+        <a:xfrm>
+          <a:off x="0" y="0"/>
+          <a:ext cx="0" cy="0"/>
+          <a:chOff x="0" y="0"/>
+          <a:chExt cx="0" cy="0"/>
+        </a:xfrm>
+      </p:grpSpPr>
+      <p:sp>
+        <p:nvSpPr>
+          <p:cNvPr id="4" name="Retângulo 3">
+            <a:extLst>
+              <a:ext uri="{FF2B5EF4-FFF2-40B4-BE49-F238E27FC236}">
+                <a16:creationId xmlns:a16="http://schemas.microsoft.com/office/drawing/2014/main" id="{C312BE5B-D3AC-0075-F3FE-8E8B9C776629}"/>
+              </a:ext>
+            </a:extLst>
+          </p:cNvPr>
+          <p:cNvSpPr/>
+          <p:nvPr/>
+        </p:nvSpPr>
+        <p:spPr>
+          <a:xfrm>
+            <a:off x="394447" y="277906"/>
+            <a:ext cx="11447929" cy="3989294"/>
+          </a:xfrm>
+          <a:prstGeom prst="rect">
+            <a:avLst/>
+          </a:prstGeom>
+        </p:spPr>
+        <p:style>
+          <a:lnRef idx="2">
+            <a:schemeClr val="dk1"/>
+          </a:lnRef>
+          <a:fillRef idx="1">
+            <a:schemeClr val="lt1"/>
+          </a:fillRef>
+          <a:effectRef idx="0">
+            <a:schemeClr val="dk1"/>
+          </a:effectRef>
+          <a:fontRef idx="minor">
+            <a:schemeClr val="dk1"/>
+          </a:fontRef>
+        </p:style>
+        <p:txBody>
+          <a:bodyPr rtlCol="0" anchor="ctr"/>
+          <a:lstStyle/>
+          <a:p>
+            <a:pPr algn="ctr"/>
+            <a:endParaRPr lang="pt-BR"/>
+          </a:p>
+        </p:txBody>
+      </p:sp>
+      <p:sp>
+        <p:nvSpPr>
+          <p:cNvPr id="5" name="Retângulo 4">
+            <a:extLst>
+              <a:ext uri="{FF2B5EF4-FFF2-40B4-BE49-F238E27FC236}">
+                <a16:creationId xmlns:a16="http://schemas.microsoft.com/office/drawing/2014/main" id="{6E1071E7-FA4F-E9D8-67F7-3EDEBC9DFB9A}"/>
+              </a:ext>
+            </a:extLst>
+          </p:cNvPr>
+          <p:cNvSpPr/>
+          <p:nvPr/>
+        </p:nvSpPr>
+        <p:spPr>
+          <a:xfrm>
+            <a:off x="394447" y="277906"/>
+            <a:ext cx="11447929" cy="600635"/>
+          </a:xfrm>
+          <a:prstGeom prst="rect">
+            <a:avLst/>
+          </a:prstGeom>
+        </p:spPr>
+        <p:style>
+          <a:lnRef idx="2">
+            <a:schemeClr val="dk1"/>
+          </a:lnRef>
+          <a:fillRef idx="1">
+            <a:schemeClr val="lt1"/>
+          </a:fillRef>
+          <a:effectRef idx="0">
+            <a:schemeClr val="dk1"/>
+          </a:effectRef>
+          <a:fontRef idx="minor">
+            <a:schemeClr val="dk1"/>
+          </a:fontRef>
+        </p:style>
+        <p:txBody>
+          <a:bodyPr rtlCol="0" anchor="ctr"/>
+          <a:lstStyle/>
+          <a:p>
+            <a:pPr algn="ctr"/>
+            <a:endParaRPr lang="pt-BR"/>
+          </a:p>
+        </p:txBody>
+      </p:sp>
+      <p:graphicFrame>
+        <p:nvGraphicFramePr>
+          <p:cNvPr id="14" name="Tabela 13">
+            <a:extLst>
+              <a:ext uri="{FF2B5EF4-FFF2-40B4-BE49-F238E27FC236}">
+                <a16:creationId xmlns:a16="http://schemas.microsoft.com/office/drawing/2014/main" id="{418B1A4A-39DA-5A50-7054-2F585AE3F871}"/>
+              </a:ext>
+            </a:extLst>
+          </p:cNvPr>
+          <p:cNvGraphicFramePr>
+            <a:graphicFrameLocks noGrp="1"/>
+          </p:cNvGraphicFramePr>
+          <p:nvPr>
+            <p:extLst>
+              <p:ext uri="{D42A27DB-BD31-4B8C-83A1-F6EECF244321}">
+                <p14:modId xmlns:p14="http://schemas.microsoft.com/office/powerpoint/2010/main" val="1845092654"/>
+              </p:ext>
+            </p:extLst>
+          </p:nvPr>
+        </p:nvGraphicFramePr>
+        <p:xfrm>
+          <a:off x="632011" y="1290170"/>
+          <a:ext cx="8128000" cy="1854200"/>
+        </p:xfrm>
+        <a:graphic>
+          <a:graphicData uri="http://schemas.openxmlformats.org/drawingml/2006/table">
+            <a:tbl>
+              <a:tblPr firstRow="1" bandRow="1">
+                <a:tableStyleId>{5C22544A-7EE6-4342-B048-85BDC9FD1C3A}</a:tableStyleId>
+              </a:tblPr>
+              <a:tblGrid>
+                <a:gridCol w="812800">
+                  <a:extLst>
+                    <a:ext uri="{9D8B030D-6E8A-4147-A177-3AD203B41FA5}">
+                      <a16:colId xmlns:a16="http://schemas.microsoft.com/office/drawing/2014/main" val="3032401669"/>
+                    </a:ext>
+                  </a:extLst>
+                </a:gridCol>
+                <a:gridCol w="812800">
+                  <a:extLst>
+                    <a:ext uri="{9D8B030D-6E8A-4147-A177-3AD203B41FA5}">
+                      <a16:colId xmlns:a16="http://schemas.microsoft.com/office/drawing/2014/main" val="409129525"/>
+                    </a:ext>
+                  </a:extLst>
+                </a:gridCol>
+                <a:gridCol w="812800">
+                  <a:extLst>
+                    <a:ext uri="{9D8B030D-6E8A-4147-A177-3AD203B41FA5}">
+                      <a16:colId xmlns:a16="http://schemas.microsoft.com/office/drawing/2014/main" val="1613095802"/>
+                    </a:ext>
+                  </a:extLst>
+                </a:gridCol>
+                <a:gridCol w="812800">
+                  <a:extLst>
+                    <a:ext uri="{9D8B030D-6E8A-4147-A177-3AD203B41FA5}">
+                      <a16:colId xmlns:a16="http://schemas.microsoft.com/office/drawing/2014/main" val="3202455393"/>
+                    </a:ext>
+                  </a:extLst>
+                </a:gridCol>
+                <a:gridCol w="812800">
+                  <a:extLst>
+                    <a:ext uri="{9D8B030D-6E8A-4147-A177-3AD203B41FA5}">
+                      <a16:colId xmlns:a16="http://schemas.microsoft.com/office/drawing/2014/main" val="7837860"/>
+                    </a:ext>
+                  </a:extLst>
+                </a:gridCol>
+                <a:gridCol w="812800">
+                  <a:extLst>
+                    <a:ext uri="{9D8B030D-6E8A-4147-A177-3AD203B41FA5}">
+                      <a16:colId xmlns:a16="http://schemas.microsoft.com/office/drawing/2014/main" val="758005985"/>
+                    </a:ext>
+                  </a:extLst>
+                </a:gridCol>
+                <a:gridCol w="812800">
+                  <a:extLst>
+                    <a:ext uri="{9D8B030D-6E8A-4147-A177-3AD203B41FA5}">
+                      <a16:colId xmlns:a16="http://schemas.microsoft.com/office/drawing/2014/main" val="1387080688"/>
+                    </a:ext>
+                  </a:extLst>
+                </a:gridCol>
+                <a:gridCol w="812800">
+                  <a:extLst>
+                    <a:ext uri="{9D8B030D-6E8A-4147-A177-3AD203B41FA5}">
+                      <a16:colId xmlns:a16="http://schemas.microsoft.com/office/drawing/2014/main" val="1814117503"/>
+                    </a:ext>
+                  </a:extLst>
+                </a:gridCol>
+                <a:gridCol w="812800">
+                  <a:extLst>
+                    <a:ext uri="{9D8B030D-6E8A-4147-A177-3AD203B41FA5}">
+                      <a16:colId xmlns:a16="http://schemas.microsoft.com/office/drawing/2014/main" val="4123957779"/>
+                    </a:ext>
+                  </a:extLst>
+                </a:gridCol>
+                <a:gridCol w="812800">
+                  <a:extLst>
+                    <a:ext uri="{9D8B030D-6E8A-4147-A177-3AD203B41FA5}">
+                      <a16:colId xmlns:a16="http://schemas.microsoft.com/office/drawing/2014/main" val="3635530838"/>
+                    </a:ext>
+                  </a:extLst>
+                </a:gridCol>
+              </a:tblGrid>
+              <a:tr h="370840">
+                <a:tc>
+                  <a:txBody>
+                    <a:bodyPr/>
+                    <a:lstStyle/>
+                    <a:p>
+                      <a:endParaRPr lang="pt-BR"/>
+                    </a:p>
+                  </a:txBody>
+                  <a:tcPr/>
+                </a:tc>
+                <a:tc>
+                  <a:txBody>
+                    <a:bodyPr/>
+                    <a:lstStyle/>
+                    <a:p>
+                      <a:endParaRPr lang="pt-BR"/>
+                    </a:p>
+                  </a:txBody>
+                  <a:tcPr/>
+                </a:tc>
+                <a:tc>
+                  <a:txBody>
+                    <a:bodyPr/>
+                    <a:lstStyle/>
+                    <a:p>
+                      <a:endParaRPr lang="pt-BR"/>
+                    </a:p>
+                  </a:txBody>
+                  <a:tcPr/>
+                </a:tc>
+                <a:tc>
+                  <a:txBody>
+                    <a:bodyPr/>
+                    <a:lstStyle/>
+                    <a:p>
+                      <a:endParaRPr lang="pt-BR"/>
+                    </a:p>
+                  </a:txBody>
+                  <a:tcPr/>
+                </a:tc>
+                <a:tc>
+                  <a:txBody>
+                    <a:bodyPr/>
+                    <a:lstStyle/>
+                    <a:p>
+                      <a:endParaRPr lang="pt-BR"/>
+                    </a:p>
+                  </a:txBody>
+                  <a:tcPr/>
+                </a:tc>
+                <a:tc>
+                  <a:txBody>
+                    <a:bodyPr/>
+                    <a:lstStyle/>
+                    <a:p>
+                      <a:endParaRPr lang="pt-BR"/>
+                    </a:p>
+                  </a:txBody>
+                  <a:tcPr/>
+                </a:tc>
+                <a:tc>
+                  <a:txBody>
+                    <a:bodyPr/>
+                    <a:lstStyle/>
+                    <a:p>
+                      <a:endParaRPr lang="pt-BR"/>
+                    </a:p>
+                  </a:txBody>
+                  <a:tcPr/>
+                </a:tc>
+                <a:tc>
+                  <a:txBody>
+                    <a:bodyPr/>
+                    <a:lstStyle/>
+                    <a:p>
+                      <a:endParaRPr lang="pt-BR"/>
+                    </a:p>
+                  </a:txBody>
+                  <a:tcPr/>
+                </a:tc>
+                <a:tc>
+                  <a:txBody>
+                    <a:bodyPr/>
+                    <a:lstStyle/>
+                    <a:p>
+                      <a:endParaRPr lang="pt-BR"/>
+                    </a:p>
+                  </a:txBody>
+                  <a:tcPr/>
+                </a:tc>
+                <a:tc>
+                  <a:txBody>
+                    <a:bodyPr/>
+                    <a:lstStyle/>
+                    <a:p>
+                      <a:endParaRPr lang="pt-BR"/>
+                    </a:p>
+                  </a:txBody>
+                  <a:tcPr/>
+                </a:tc>
+                <a:extLst>
+                  <a:ext uri="{0D108BD9-81ED-4DB2-BD59-A6C34878D82A}">
+                    <a16:rowId xmlns:a16="http://schemas.microsoft.com/office/drawing/2014/main" val="1263570921"/>
+                  </a:ext>
+                </a:extLst>
+              </a:tr>
+              <a:tr h="370840">
+                <a:tc>
+                  <a:txBody>
+                    <a:bodyPr/>
+                    <a:lstStyle/>
+                    <a:p>
+                      <a:endParaRPr lang="pt-BR"/>
+                    </a:p>
+                  </a:txBody>
+                  <a:tcPr/>
+                </a:tc>
+                <a:tc>
+                  <a:txBody>
+                    <a:bodyPr/>
+                    <a:lstStyle/>
+                    <a:p>
+                      <a:endParaRPr lang="pt-BR"/>
+                    </a:p>
+                  </a:txBody>
+                  <a:tcPr/>
+                </a:tc>
+                <a:tc>
+                  <a:txBody>
+                    <a:bodyPr/>
+                    <a:lstStyle/>
+                    <a:p>
+                      <a:endParaRPr lang="pt-BR"/>
+                    </a:p>
+                  </a:txBody>
+                  <a:tcPr/>
+                </a:tc>
+                <a:tc>
+                  <a:txBody>
+                    <a:bodyPr/>
+                    <a:lstStyle/>
+                    <a:p>
+                      <a:endParaRPr lang="pt-BR"/>
+                    </a:p>
+                  </a:txBody>
+                  <a:tcPr/>
+                </a:tc>
+                <a:tc>
+                  <a:txBody>
+                    <a:bodyPr/>
+                    <a:lstStyle/>
+                    <a:p>
+                      <a:endParaRPr lang="pt-BR" dirty="0"/>
+                    </a:p>
+                  </a:txBody>
+                  <a:tcPr/>
+                </a:tc>
+                <a:tc>
+                  <a:txBody>
+                    <a:bodyPr/>
+                    <a:lstStyle/>
+                    <a:p>
+                      <a:endParaRPr lang="pt-BR"/>
+                    </a:p>
+                  </a:txBody>
+                  <a:tcPr/>
+                </a:tc>
+                <a:tc>
+                  <a:txBody>
+                    <a:bodyPr/>
+                    <a:lstStyle/>
+                    <a:p>
+                      <a:endParaRPr lang="pt-BR"/>
+                    </a:p>
+                  </a:txBody>
+                  <a:tcPr/>
+                </a:tc>
+                <a:tc>
+                  <a:txBody>
+                    <a:bodyPr/>
+                    <a:lstStyle/>
+                    <a:p>
+                      <a:endParaRPr lang="pt-BR"/>
+                    </a:p>
+                  </a:txBody>
+                  <a:tcPr/>
+                </a:tc>
+                <a:tc>
+                  <a:txBody>
+                    <a:bodyPr/>
+                    <a:lstStyle/>
+                    <a:p>
+                      <a:endParaRPr lang="pt-BR"/>
+                    </a:p>
+                  </a:txBody>
+                  <a:tcPr/>
+                </a:tc>
+                <a:tc>
+                  <a:txBody>
+                    <a:bodyPr/>
+                    <a:lstStyle/>
+                    <a:p>
+                      <a:endParaRPr lang="pt-BR" dirty="0"/>
+                    </a:p>
+                  </a:txBody>
+                  <a:tcPr/>
+                </a:tc>
+                <a:extLst>
+                  <a:ext uri="{0D108BD9-81ED-4DB2-BD59-A6C34878D82A}">
+                    <a16:rowId xmlns:a16="http://schemas.microsoft.com/office/drawing/2014/main" val="662475310"/>
+                  </a:ext>
+                </a:extLst>
+              </a:tr>
+              <a:tr h="370840">
+                <a:tc>
+                  <a:txBody>
+                    <a:bodyPr/>
+                    <a:lstStyle/>
+                    <a:p>
+                      <a:endParaRPr lang="pt-BR"/>
+                    </a:p>
+                  </a:txBody>
+                  <a:tcPr/>
+                </a:tc>
+                <a:tc>
+                  <a:txBody>
+                    <a:bodyPr/>
+                    <a:lstStyle/>
+                    <a:p>
+                      <a:endParaRPr lang="pt-BR"/>
+                    </a:p>
+                  </a:txBody>
+                  <a:tcPr/>
+                </a:tc>
+                <a:tc>
+                  <a:txBody>
+                    <a:bodyPr/>
+                    <a:lstStyle/>
+                    <a:p>
+                      <a:endParaRPr lang="pt-BR"/>
+                    </a:p>
+                  </a:txBody>
+                  <a:tcPr/>
+                </a:tc>
+                <a:tc>
+                  <a:txBody>
+                    <a:bodyPr/>
+                    <a:lstStyle/>
+                    <a:p>
+                      <a:endParaRPr lang="pt-BR"/>
+                    </a:p>
+                  </a:txBody>
+                  <a:tcPr/>
+                </a:tc>
+                <a:tc>
+                  <a:txBody>
+                    <a:bodyPr/>
+                    <a:lstStyle/>
+                    <a:p>
+                      <a:endParaRPr lang="pt-BR"/>
+                    </a:p>
+                  </a:txBody>
+                  <a:tcPr/>
+                </a:tc>
+                <a:tc>
+                  <a:txBody>
+                    <a:bodyPr/>
+                    <a:lstStyle/>
+                    <a:p>
+                      <a:endParaRPr lang="pt-BR"/>
+                    </a:p>
+                  </a:txBody>
+                  <a:tcPr/>
+                </a:tc>
+                <a:tc>
+                  <a:txBody>
+                    <a:bodyPr/>
+                    <a:lstStyle/>
+                    <a:p>
+                      <a:endParaRPr lang="pt-BR"/>
+                    </a:p>
+                  </a:txBody>
+                  <a:tcPr/>
+                </a:tc>
+                <a:tc>
+                  <a:txBody>
+                    <a:bodyPr/>
+                    <a:lstStyle/>
+                    <a:p>
+                      <a:endParaRPr lang="pt-BR"/>
+                    </a:p>
+                  </a:txBody>
+                  <a:tcPr/>
+                </a:tc>
+                <a:tc>
+                  <a:txBody>
+                    <a:bodyPr/>
+                    <a:lstStyle/>
+                    <a:p>
+                      <a:endParaRPr lang="pt-BR"/>
+                    </a:p>
+                  </a:txBody>
+                  <a:tcPr/>
+                </a:tc>
+                <a:tc>
+                  <a:txBody>
+                    <a:bodyPr/>
+                    <a:lstStyle/>
+                    <a:p>
+                      <a:endParaRPr lang="pt-BR"/>
+                    </a:p>
+                  </a:txBody>
+                  <a:tcPr/>
+                </a:tc>
+                <a:extLst>
+                  <a:ext uri="{0D108BD9-81ED-4DB2-BD59-A6C34878D82A}">
+                    <a16:rowId xmlns:a16="http://schemas.microsoft.com/office/drawing/2014/main" val="2565013216"/>
+                  </a:ext>
+                </a:extLst>
+              </a:tr>
+              <a:tr h="370840">
+                <a:tc>
+                  <a:txBody>
+                    <a:bodyPr/>
+                    <a:lstStyle/>
+                    <a:p>
+                      <a:endParaRPr lang="pt-BR"/>
+                    </a:p>
+                  </a:txBody>
+                  <a:tcPr/>
+                </a:tc>
+                <a:tc>
+                  <a:txBody>
+                    <a:bodyPr/>
+                    <a:lstStyle/>
+                    <a:p>
+                      <a:endParaRPr lang="pt-BR"/>
+                    </a:p>
+                  </a:txBody>
+                  <a:tcPr/>
+                </a:tc>
+                <a:tc>
+                  <a:txBody>
+                    <a:bodyPr/>
+                    <a:lstStyle/>
+                    <a:p>
+                      <a:endParaRPr lang="pt-BR"/>
+                    </a:p>
+                  </a:txBody>
+                  <a:tcPr/>
+                </a:tc>
+                <a:tc>
+                  <a:txBody>
+                    <a:bodyPr/>
+                    <a:lstStyle/>
+                    <a:p>
+                      <a:endParaRPr lang="pt-BR"/>
+                    </a:p>
+                  </a:txBody>
+                  <a:tcPr/>
+                </a:tc>
+                <a:tc>
+                  <a:txBody>
+                    <a:bodyPr/>
+                    <a:lstStyle/>
+                    <a:p>
+                      <a:endParaRPr lang="pt-BR"/>
+                    </a:p>
+                  </a:txBody>
+                  <a:tcPr/>
+                </a:tc>
+                <a:tc>
+                  <a:txBody>
+                    <a:bodyPr/>
+                    <a:lstStyle/>
+                    <a:p>
+                      <a:endParaRPr lang="pt-BR"/>
+                    </a:p>
+                  </a:txBody>
+                  <a:tcPr/>
+                </a:tc>
+                <a:tc>
+                  <a:txBody>
+                    <a:bodyPr/>
+                    <a:lstStyle/>
+                    <a:p>
+                      <a:endParaRPr lang="pt-BR"/>
+                    </a:p>
+                  </a:txBody>
+                  <a:tcPr/>
+                </a:tc>
+                <a:tc>
+                  <a:txBody>
+                    <a:bodyPr/>
+                    <a:lstStyle/>
+                    <a:p>
+                      <a:endParaRPr lang="pt-BR"/>
+                    </a:p>
+                  </a:txBody>
+                  <a:tcPr/>
+                </a:tc>
+                <a:tc>
+                  <a:txBody>
+                    <a:bodyPr/>
+                    <a:lstStyle/>
+                    <a:p>
+                      <a:endParaRPr lang="pt-BR"/>
+                    </a:p>
+                  </a:txBody>
+                  <a:tcPr/>
+                </a:tc>
+                <a:tc>
+                  <a:txBody>
+                    <a:bodyPr/>
+                    <a:lstStyle/>
+                    <a:p>
+                      <a:endParaRPr lang="pt-BR"/>
+                    </a:p>
+                  </a:txBody>
+                  <a:tcPr/>
+                </a:tc>
+                <a:extLst>
+                  <a:ext uri="{0D108BD9-81ED-4DB2-BD59-A6C34878D82A}">
+                    <a16:rowId xmlns:a16="http://schemas.microsoft.com/office/drawing/2014/main" val="3328745633"/>
+                  </a:ext>
+                </a:extLst>
+              </a:tr>
+              <a:tr h="370840">
+                <a:tc>
+                  <a:txBody>
+                    <a:bodyPr/>
+                    <a:lstStyle/>
+                    <a:p>
+                      <a:endParaRPr lang="pt-BR"/>
+                    </a:p>
+                  </a:txBody>
+                  <a:tcPr/>
+                </a:tc>
+                <a:tc>
+                  <a:txBody>
+                    <a:bodyPr/>
+                    <a:lstStyle/>
+                    <a:p>
+                      <a:endParaRPr lang="pt-BR"/>
+                    </a:p>
+                  </a:txBody>
+                  <a:tcPr/>
+                </a:tc>
+                <a:tc>
+                  <a:txBody>
+                    <a:bodyPr/>
+                    <a:lstStyle/>
+                    <a:p>
+                      <a:endParaRPr lang="pt-BR"/>
+                    </a:p>
+                  </a:txBody>
+                  <a:tcPr/>
+                </a:tc>
+                <a:tc>
+                  <a:txBody>
+                    <a:bodyPr/>
+                    <a:lstStyle/>
+                    <a:p>
+                      <a:endParaRPr lang="pt-BR"/>
+                    </a:p>
+                  </a:txBody>
+                  <a:tcPr/>
+                </a:tc>
+                <a:tc>
+                  <a:txBody>
+                    <a:bodyPr/>
+                    <a:lstStyle/>
+                    <a:p>
+                      <a:endParaRPr lang="pt-BR"/>
+                    </a:p>
+                  </a:txBody>
+                  <a:tcPr/>
+                </a:tc>
+                <a:tc>
+                  <a:txBody>
+                    <a:bodyPr/>
+                    <a:lstStyle/>
+                    <a:p>
+                      <a:endParaRPr lang="pt-BR"/>
+                    </a:p>
+                  </a:txBody>
+                  <a:tcPr/>
+                </a:tc>
+                <a:tc>
+                  <a:txBody>
+                    <a:bodyPr/>
+                    <a:lstStyle/>
+                    <a:p>
+                      <a:endParaRPr lang="pt-BR"/>
+                    </a:p>
+                  </a:txBody>
+                  <a:tcPr/>
+                </a:tc>
+                <a:tc>
+                  <a:txBody>
+                    <a:bodyPr/>
+                    <a:lstStyle/>
+                    <a:p>
+                      <a:endParaRPr lang="pt-BR"/>
+                    </a:p>
+                  </a:txBody>
+                  <a:tcPr/>
+                </a:tc>
+                <a:tc>
+                  <a:txBody>
+                    <a:bodyPr/>
+                    <a:lstStyle/>
+                    <a:p>
+                      <a:endParaRPr lang="pt-BR"/>
+                    </a:p>
+                  </a:txBody>
+                  <a:tcPr/>
+                </a:tc>
+                <a:tc>
+                  <a:txBody>
+                    <a:bodyPr/>
+                    <a:lstStyle/>
+                    <a:p>
+                      <a:endParaRPr lang="pt-BR" dirty="0"/>
+                    </a:p>
+                  </a:txBody>
+                  <a:tcPr/>
+                </a:tc>
+                <a:extLst>
+                  <a:ext uri="{0D108BD9-81ED-4DB2-BD59-A6C34878D82A}">
+                    <a16:rowId xmlns:a16="http://schemas.microsoft.com/office/drawing/2014/main" val="2921470368"/>
+                  </a:ext>
+                </a:extLst>
+              </a:tr>
+            </a:tbl>
+          </a:graphicData>
+        </a:graphic>
+      </p:graphicFrame>
+      <p:sp>
+        <p:nvSpPr>
+          <p:cNvPr id="2" name="CaixaDeTexto 1">
+            <a:extLst>
+              <a:ext uri="{FF2B5EF4-FFF2-40B4-BE49-F238E27FC236}">
+                <a16:creationId xmlns:a16="http://schemas.microsoft.com/office/drawing/2014/main" id="{B45E5857-98C1-B64B-72E5-80B76AD220BC}"/>
+              </a:ext>
+            </a:extLst>
+          </p:cNvPr>
+          <p:cNvSpPr txBox="1"/>
+          <p:nvPr/>
+        </p:nvSpPr>
+        <p:spPr>
+          <a:xfrm>
+            <a:off x="5395296" y="355320"/>
+            <a:ext cx="1446230" cy="523220"/>
+          </a:xfrm>
+          <a:prstGeom prst="rect">
+            <a:avLst/>
+          </a:prstGeom>
+          <a:noFill/>
+        </p:spPr>
+        <p:txBody>
+          <a:bodyPr wrap="none" rtlCol="0">
+            <a:spAutoFit/>
+          </a:bodyPr>
+          <a:lstStyle/>
+          <a:p>
+            <a:r>
+              <a:rPr lang="pt-BR" sz="2800" dirty="0"/>
+              <a:t>Carrinho</a:t>
+            </a:r>
+          </a:p>
+        </p:txBody>
+      </p:sp>
+      <p:sp>
+        <p:nvSpPr>
+          <p:cNvPr id="3" name="Retângulo 2">
+            <a:extLst>
+              <a:ext uri="{FF2B5EF4-FFF2-40B4-BE49-F238E27FC236}">
+                <a16:creationId xmlns:a16="http://schemas.microsoft.com/office/drawing/2014/main" id="{DC88AFD4-C080-A638-6666-B27D8DB340FC}"/>
+              </a:ext>
+            </a:extLst>
+          </p:cNvPr>
+          <p:cNvSpPr/>
+          <p:nvPr/>
+        </p:nvSpPr>
+        <p:spPr>
+          <a:xfrm>
+            <a:off x="8997575" y="1290170"/>
+            <a:ext cx="2492188" cy="600635"/>
+          </a:xfrm>
+          <a:prstGeom prst="rect">
+            <a:avLst/>
+          </a:prstGeom>
+        </p:spPr>
+        <p:style>
+          <a:lnRef idx="2">
+            <a:schemeClr val="dk1"/>
+          </a:lnRef>
+          <a:fillRef idx="1">
+            <a:schemeClr val="lt1"/>
+          </a:fillRef>
+          <a:effectRef idx="0">
+            <a:schemeClr val="dk1"/>
+          </a:effectRef>
+          <a:fontRef idx="minor">
+            <a:schemeClr val="dk1"/>
+          </a:fontRef>
+        </p:style>
+        <p:txBody>
+          <a:bodyPr rtlCol="0" anchor="ctr"/>
+          <a:lstStyle/>
+          <a:p>
+            <a:pPr algn="ctr"/>
+            <a:r>
+              <a:rPr lang="pt-BR" dirty="0"/>
+              <a:t>Excluir selecionados</a:t>
+            </a:r>
+          </a:p>
+        </p:txBody>
+      </p:sp>
+      <p:sp>
+        <p:nvSpPr>
+          <p:cNvPr id="9" name="Retângulo 8">
+            <a:extLst>
+              <a:ext uri="{FF2B5EF4-FFF2-40B4-BE49-F238E27FC236}">
+                <a16:creationId xmlns:a16="http://schemas.microsoft.com/office/drawing/2014/main" id="{2DDABDBF-6655-EE25-5666-C81043A1AADA}"/>
+              </a:ext>
+            </a:extLst>
+          </p:cNvPr>
+          <p:cNvSpPr/>
+          <p:nvPr/>
+        </p:nvSpPr>
+        <p:spPr>
+          <a:xfrm>
+            <a:off x="8997575" y="2543736"/>
+            <a:ext cx="2492188" cy="600635"/>
+          </a:xfrm>
+          <a:prstGeom prst="rect">
+            <a:avLst/>
+          </a:prstGeom>
+        </p:spPr>
+        <p:style>
+          <a:lnRef idx="2">
+            <a:schemeClr val="dk1"/>
+          </a:lnRef>
+          <a:fillRef idx="1">
+            <a:schemeClr val="lt1"/>
+          </a:fillRef>
+          <a:effectRef idx="0">
+            <a:schemeClr val="dk1"/>
+          </a:effectRef>
+          <a:fontRef idx="minor">
+            <a:schemeClr val="dk1"/>
+          </a:fontRef>
+        </p:style>
+        <p:txBody>
+          <a:bodyPr rtlCol="0" anchor="ctr"/>
+          <a:lstStyle/>
+          <a:p>
+            <a:r>
+              <a:rPr lang="pt-BR" dirty="0"/>
+              <a:t>Fazer pagamento</a:t>
+            </a:r>
+          </a:p>
+        </p:txBody>
+      </p:sp>
+      <p:sp>
+        <p:nvSpPr>
+          <p:cNvPr id="10" name="Triângulo isósceles 9">
+            <a:extLst>
+              <a:ext uri="{FF2B5EF4-FFF2-40B4-BE49-F238E27FC236}">
+                <a16:creationId xmlns:a16="http://schemas.microsoft.com/office/drawing/2014/main" id="{D50C9708-C81F-71D4-AB76-DE4D6DC70482}"/>
+              </a:ext>
+            </a:extLst>
+          </p:cNvPr>
+          <p:cNvSpPr/>
+          <p:nvPr/>
+        </p:nvSpPr>
+        <p:spPr>
+          <a:xfrm rot="10800000">
+            <a:off x="10988224" y="2745885"/>
+            <a:ext cx="323732" cy="196336"/>
+          </a:xfrm>
+          <a:prstGeom prst="triangle">
+            <a:avLst/>
+          </a:prstGeom>
+        </p:spPr>
+        <p:style>
+          <a:lnRef idx="2">
+            <a:schemeClr val="dk1">
+              <a:shade val="15000"/>
+            </a:schemeClr>
+          </a:lnRef>
+          <a:fillRef idx="1">
+            <a:schemeClr val="dk1"/>
+          </a:fillRef>
+          <a:effectRef idx="0">
+            <a:schemeClr val="dk1"/>
+          </a:effectRef>
+          <a:fontRef idx="minor">
+            <a:schemeClr val="lt1"/>
+          </a:fontRef>
+        </p:style>
+        <p:txBody>
+          <a:bodyPr rtlCol="0" anchor="ctr"/>
+          <a:lstStyle/>
+          <a:p>
+            <a:pPr algn="ctr"/>
+            <a:endParaRPr lang="pt-BR"/>
+          </a:p>
+        </p:txBody>
+      </p:sp>
+      <p:sp>
+        <p:nvSpPr>
+          <p:cNvPr id="11" name="CaixaDeTexto 10">
+            <a:extLst>
+              <a:ext uri="{FF2B5EF4-FFF2-40B4-BE49-F238E27FC236}">
+                <a16:creationId xmlns:a16="http://schemas.microsoft.com/office/drawing/2014/main" id="{72F0A984-459E-0A17-C1DD-E481FB82AFE2}"/>
+              </a:ext>
+            </a:extLst>
+          </p:cNvPr>
+          <p:cNvSpPr txBox="1"/>
+          <p:nvPr/>
+        </p:nvSpPr>
+        <p:spPr>
+          <a:xfrm>
+            <a:off x="632011" y="3294389"/>
+            <a:ext cx="3649653" cy="523220"/>
+          </a:xfrm>
+          <a:prstGeom prst="rect">
+            <a:avLst/>
+          </a:prstGeom>
+          <a:noFill/>
+        </p:spPr>
+        <p:txBody>
+          <a:bodyPr wrap="none" rtlCol="0">
+            <a:spAutoFit/>
+          </a:bodyPr>
+          <a:lstStyle/>
+          <a:p>
+            <a:r>
+              <a:rPr lang="pt-BR" sz="2800" dirty="0"/>
+              <a:t>Preço Total (R$): 200,00</a:t>
+            </a:r>
+          </a:p>
+        </p:txBody>
+      </p:sp>
+    </p:spTree>
+    <p:extLst>
+      <p:ext uri="{BB962C8B-B14F-4D97-AF65-F5344CB8AC3E}">
+        <p14:creationId xmlns:p14="http://schemas.microsoft.com/office/powerpoint/2010/main" val="1988582634"/>
       </p:ext>
     </p:extLst>
   </p:cSld>

--- a/telas_prototipo.pptx
+++ b/telas_prototipo.pptx
@@ -7,6 +7,7 @@
   <p:sldIdLst>
     <p:sldId id="258" r:id="rId2"/>
     <p:sldId id="256" r:id="rId3"/>
+    <p:sldId id="259" r:id="rId4"/>
   </p:sldIdLst>
   <p:sldSz cx="12192000" cy="6858000"/>
   <p:notesSz cx="6858000" cy="9144000"/>
@@ -260,7 +261,7 @@
           <a:p>
             <a:fld id="{AD364283-C96A-4590-85A3-1F89AAF62885}" type="datetimeFigureOut">
               <a:rPr lang="pt-BR" smtClean="0"/>
-              <a:t>19/11/2023</a:t>
+              <a:t>24/11/2023</a:t>
             </a:fld>
             <a:endParaRPr lang="pt-BR"/>
           </a:p>
@@ -458,7 +459,7 @@
           <a:p>
             <a:fld id="{AD364283-C96A-4590-85A3-1F89AAF62885}" type="datetimeFigureOut">
               <a:rPr lang="pt-BR" smtClean="0"/>
-              <a:t>19/11/2023</a:t>
+              <a:t>24/11/2023</a:t>
             </a:fld>
             <a:endParaRPr lang="pt-BR"/>
           </a:p>
@@ -666,7 +667,7 @@
           <a:p>
             <a:fld id="{AD364283-C96A-4590-85A3-1F89AAF62885}" type="datetimeFigureOut">
               <a:rPr lang="pt-BR" smtClean="0"/>
-              <a:t>19/11/2023</a:t>
+              <a:t>24/11/2023</a:t>
             </a:fld>
             <a:endParaRPr lang="pt-BR"/>
           </a:p>
@@ -864,7 +865,7 @@
           <a:p>
             <a:fld id="{AD364283-C96A-4590-85A3-1F89AAF62885}" type="datetimeFigureOut">
               <a:rPr lang="pt-BR" smtClean="0"/>
-              <a:t>19/11/2023</a:t>
+              <a:t>24/11/2023</a:t>
             </a:fld>
             <a:endParaRPr lang="pt-BR"/>
           </a:p>
@@ -1139,7 +1140,7 @@
           <a:p>
             <a:fld id="{AD364283-C96A-4590-85A3-1F89AAF62885}" type="datetimeFigureOut">
               <a:rPr lang="pt-BR" smtClean="0"/>
-              <a:t>19/11/2023</a:t>
+              <a:t>24/11/2023</a:t>
             </a:fld>
             <a:endParaRPr lang="pt-BR"/>
           </a:p>
@@ -1404,7 +1405,7 @@
           <a:p>
             <a:fld id="{AD364283-C96A-4590-85A3-1F89AAF62885}" type="datetimeFigureOut">
               <a:rPr lang="pt-BR" smtClean="0"/>
-              <a:t>19/11/2023</a:t>
+              <a:t>24/11/2023</a:t>
             </a:fld>
             <a:endParaRPr lang="pt-BR"/>
           </a:p>
@@ -1816,7 +1817,7 @@
           <a:p>
             <a:fld id="{AD364283-C96A-4590-85A3-1F89AAF62885}" type="datetimeFigureOut">
               <a:rPr lang="pt-BR" smtClean="0"/>
-              <a:t>19/11/2023</a:t>
+              <a:t>24/11/2023</a:t>
             </a:fld>
             <a:endParaRPr lang="pt-BR"/>
           </a:p>
@@ -1957,7 +1958,7 @@
           <a:p>
             <a:fld id="{AD364283-C96A-4590-85A3-1F89AAF62885}" type="datetimeFigureOut">
               <a:rPr lang="pt-BR" smtClean="0"/>
-              <a:t>19/11/2023</a:t>
+              <a:t>24/11/2023</a:t>
             </a:fld>
             <a:endParaRPr lang="pt-BR"/>
           </a:p>
@@ -2070,7 +2071,7 @@
           <a:p>
             <a:fld id="{AD364283-C96A-4590-85A3-1F89AAF62885}" type="datetimeFigureOut">
               <a:rPr lang="pt-BR" smtClean="0"/>
-              <a:t>19/11/2023</a:t>
+              <a:t>24/11/2023</a:t>
             </a:fld>
             <a:endParaRPr lang="pt-BR"/>
           </a:p>
@@ -2381,7 +2382,7 @@
           <a:p>
             <a:fld id="{AD364283-C96A-4590-85A3-1F89AAF62885}" type="datetimeFigureOut">
               <a:rPr lang="pt-BR" smtClean="0"/>
-              <a:t>19/11/2023</a:t>
+              <a:t>24/11/2023</a:t>
             </a:fld>
             <a:endParaRPr lang="pt-BR"/>
           </a:p>
@@ -2669,7 +2670,7 @@
           <a:p>
             <a:fld id="{AD364283-C96A-4590-85A3-1F89AAF62885}" type="datetimeFigureOut">
               <a:rPr lang="pt-BR" smtClean="0"/>
-              <a:t>19/11/2023</a:t>
+              <a:t>24/11/2023</a:t>
             </a:fld>
             <a:endParaRPr lang="pt-BR"/>
           </a:p>
@@ -2910,7 +2911,7 @@
           <a:p>
             <a:fld id="{AD364283-C96A-4590-85A3-1F89AAF62885}" type="datetimeFigureOut">
               <a:rPr lang="pt-BR" smtClean="0"/>
-              <a:t>19/11/2023</a:t>
+              <a:t>24/11/2023</a:t>
             </a:fld>
             <a:endParaRPr lang="pt-BR"/>
           </a:p>
@@ -5420,6 +5421,803 @@
 </p:sld>
 </file>
 
+<file path=ppt/slides/slide3.xml><?xml version="1.0" encoding="utf-8"?>
+<p:sld xmlns:a="http://schemas.openxmlformats.org/drawingml/2006/main" xmlns:r="http://schemas.openxmlformats.org/officeDocument/2006/relationships" xmlns:p="http://schemas.openxmlformats.org/presentationml/2006/main">
+  <p:cSld>
+    <p:spTree>
+      <p:nvGrpSpPr>
+        <p:cNvPr id="1" name=""/>
+        <p:cNvGrpSpPr/>
+        <p:nvPr/>
+      </p:nvGrpSpPr>
+      <p:grpSpPr>
+        <a:xfrm>
+          <a:off x="0" y="0"/>
+          <a:ext cx="0" cy="0"/>
+          <a:chOff x="0" y="0"/>
+          <a:chExt cx="0" cy="0"/>
+        </a:xfrm>
+      </p:grpSpPr>
+      <p:sp>
+        <p:nvSpPr>
+          <p:cNvPr id="4" name="Retângulo 3">
+            <a:extLst>
+              <a:ext uri="{FF2B5EF4-FFF2-40B4-BE49-F238E27FC236}">
+                <a16:creationId xmlns:a16="http://schemas.microsoft.com/office/drawing/2014/main" id="{B5C35F2F-828F-916F-0BF9-4539DF4E1FA0}"/>
+              </a:ext>
+            </a:extLst>
+          </p:cNvPr>
+          <p:cNvSpPr/>
+          <p:nvPr/>
+        </p:nvSpPr>
+        <p:spPr>
+          <a:xfrm>
+            <a:off x="394447" y="277906"/>
+            <a:ext cx="11447929" cy="6109642"/>
+          </a:xfrm>
+          <a:prstGeom prst="rect">
+            <a:avLst/>
+          </a:prstGeom>
+        </p:spPr>
+        <p:style>
+          <a:lnRef idx="2">
+            <a:schemeClr val="dk1"/>
+          </a:lnRef>
+          <a:fillRef idx="1">
+            <a:schemeClr val="lt1"/>
+          </a:fillRef>
+          <a:effectRef idx="0">
+            <a:schemeClr val="dk1"/>
+          </a:effectRef>
+          <a:fontRef idx="minor">
+            <a:schemeClr val="dk1"/>
+          </a:fontRef>
+        </p:style>
+        <p:txBody>
+          <a:bodyPr rtlCol="0" anchor="ctr"/>
+          <a:lstStyle/>
+          <a:p>
+            <a:pPr algn="ctr"/>
+            <a:endParaRPr lang="pt-BR"/>
+          </a:p>
+        </p:txBody>
+      </p:sp>
+      <p:sp>
+        <p:nvSpPr>
+          <p:cNvPr id="5" name="CaixaDeTexto 4">
+            <a:extLst>
+              <a:ext uri="{FF2B5EF4-FFF2-40B4-BE49-F238E27FC236}">
+                <a16:creationId xmlns:a16="http://schemas.microsoft.com/office/drawing/2014/main" id="{B39B0031-8CA1-0492-7C01-2C3FC3C2A581}"/>
+              </a:ext>
+            </a:extLst>
+          </p:cNvPr>
+          <p:cNvSpPr txBox="1"/>
+          <p:nvPr/>
+        </p:nvSpPr>
+        <p:spPr>
+          <a:xfrm>
+            <a:off x="5395296" y="355320"/>
+            <a:ext cx="1331647" cy="523220"/>
+          </a:xfrm>
+          <a:prstGeom prst="rect">
+            <a:avLst/>
+          </a:prstGeom>
+          <a:noFill/>
+        </p:spPr>
+        <p:txBody>
+          <a:bodyPr wrap="none" rtlCol="0">
+            <a:spAutoFit/>
+          </a:bodyPr>
+          <a:lstStyle/>
+          <a:p>
+            <a:r>
+              <a:rPr lang="pt-BR" sz="2800" dirty="0"/>
+              <a:t>Pedidos</a:t>
+            </a:r>
+          </a:p>
+        </p:txBody>
+      </p:sp>
+      <p:graphicFrame>
+        <p:nvGraphicFramePr>
+          <p:cNvPr id="6" name="Tabela 5">
+            <a:extLst>
+              <a:ext uri="{FF2B5EF4-FFF2-40B4-BE49-F238E27FC236}">
+                <a16:creationId xmlns:a16="http://schemas.microsoft.com/office/drawing/2014/main" id="{AD19CFCA-D6D5-98E4-15EE-B220B6FBA043}"/>
+              </a:ext>
+            </a:extLst>
+          </p:cNvPr>
+          <p:cNvGraphicFramePr>
+            <a:graphicFrameLocks noGrp="1"/>
+          </p:cNvGraphicFramePr>
+          <p:nvPr>
+            <p:extLst>
+              <p:ext uri="{D42A27DB-BD31-4B8C-83A1-F6EECF244321}">
+                <p14:modId xmlns:p14="http://schemas.microsoft.com/office/powerpoint/2010/main" val="565581603"/>
+              </p:ext>
+            </p:extLst>
+          </p:nvPr>
+        </p:nvGraphicFramePr>
+        <p:xfrm>
+          <a:off x="2054411" y="1131143"/>
+          <a:ext cx="8128000" cy="2778245"/>
+        </p:xfrm>
+        <a:graphic>
+          <a:graphicData uri="http://schemas.openxmlformats.org/drawingml/2006/table">
+            <a:tbl>
+              <a:tblPr firstRow="1" bandRow="1">
+                <a:tableStyleId>{5C22544A-7EE6-4342-B048-85BDC9FD1C3A}</a:tableStyleId>
+              </a:tblPr>
+              <a:tblGrid>
+                <a:gridCol w="812800">
+                  <a:extLst>
+                    <a:ext uri="{9D8B030D-6E8A-4147-A177-3AD203B41FA5}">
+                      <a16:colId xmlns:a16="http://schemas.microsoft.com/office/drawing/2014/main" val="3032401669"/>
+                    </a:ext>
+                  </a:extLst>
+                </a:gridCol>
+                <a:gridCol w="812800">
+                  <a:extLst>
+                    <a:ext uri="{9D8B030D-6E8A-4147-A177-3AD203B41FA5}">
+                      <a16:colId xmlns:a16="http://schemas.microsoft.com/office/drawing/2014/main" val="409129525"/>
+                    </a:ext>
+                  </a:extLst>
+                </a:gridCol>
+                <a:gridCol w="812800">
+                  <a:extLst>
+                    <a:ext uri="{9D8B030D-6E8A-4147-A177-3AD203B41FA5}">
+                      <a16:colId xmlns:a16="http://schemas.microsoft.com/office/drawing/2014/main" val="1613095802"/>
+                    </a:ext>
+                  </a:extLst>
+                </a:gridCol>
+                <a:gridCol w="812800">
+                  <a:extLst>
+                    <a:ext uri="{9D8B030D-6E8A-4147-A177-3AD203B41FA5}">
+                      <a16:colId xmlns:a16="http://schemas.microsoft.com/office/drawing/2014/main" val="3202455393"/>
+                    </a:ext>
+                  </a:extLst>
+                </a:gridCol>
+                <a:gridCol w="812800">
+                  <a:extLst>
+                    <a:ext uri="{9D8B030D-6E8A-4147-A177-3AD203B41FA5}">
+                      <a16:colId xmlns:a16="http://schemas.microsoft.com/office/drawing/2014/main" val="7837860"/>
+                    </a:ext>
+                  </a:extLst>
+                </a:gridCol>
+                <a:gridCol w="812800">
+                  <a:extLst>
+                    <a:ext uri="{9D8B030D-6E8A-4147-A177-3AD203B41FA5}">
+                      <a16:colId xmlns:a16="http://schemas.microsoft.com/office/drawing/2014/main" val="758005985"/>
+                    </a:ext>
+                  </a:extLst>
+                </a:gridCol>
+                <a:gridCol w="812800">
+                  <a:extLst>
+                    <a:ext uri="{9D8B030D-6E8A-4147-A177-3AD203B41FA5}">
+                      <a16:colId xmlns:a16="http://schemas.microsoft.com/office/drawing/2014/main" val="1387080688"/>
+                    </a:ext>
+                  </a:extLst>
+                </a:gridCol>
+                <a:gridCol w="812800">
+                  <a:extLst>
+                    <a:ext uri="{9D8B030D-6E8A-4147-A177-3AD203B41FA5}">
+                      <a16:colId xmlns:a16="http://schemas.microsoft.com/office/drawing/2014/main" val="1814117503"/>
+                    </a:ext>
+                  </a:extLst>
+                </a:gridCol>
+                <a:gridCol w="812800">
+                  <a:extLst>
+                    <a:ext uri="{9D8B030D-6E8A-4147-A177-3AD203B41FA5}">
+                      <a16:colId xmlns:a16="http://schemas.microsoft.com/office/drawing/2014/main" val="4123957779"/>
+                    </a:ext>
+                  </a:extLst>
+                </a:gridCol>
+                <a:gridCol w="812800">
+                  <a:extLst>
+                    <a:ext uri="{9D8B030D-6E8A-4147-A177-3AD203B41FA5}">
+                      <a16:colId xmlns:a16="http://schemas.microsoft.com/office/drawing/2014/main" val="3635530838"/>
+                    </a:ext>
+                  </a:extLst>
+                </a:gridCol>
+              </a:tblGrid>
+              <a:tr h="555649">
+                <a:tc>
+                  <a:txBody>
+                    <a:bodyPr/>
+                    <a:lstStyle/>
+                    <a:p>
+                      <a:endParaRPr lang="pt-BR"/>
+                    </a:p>
+                  </a:txBody>
+                  <a:tcPr/>
+                </a:tc>
+                <a:tc>
+                  <a:txBody>
+                    <a:bodyPr/>
+                    <a:lstStyle/>
+                    <a:p>
+                      <a:endParaRPr lang="pt-BR"/>
+                    </a:p>
+                  </a:txBody>
+                  <a:tcPr/>
+                </a:tc>
+                <a:tc>
+                  <a:txBody>
+                    <a:bodyPr/>
+                    <a:lstStyle/>
+                    <a:p>
+                      <a:endParaRPr lang="pt-BR"/>
+                    </a:p>
+                  </a:txBody>
+                  <a:tcPr/>
+                </a:tc>
+                <a:tc>
+                  <a:txBody>
+                    <a:bodyPr/>
+                    <a:lstStyle/>
+                    <a:p>
+                      <a:endParaRPr lang="pt-BR"/>
+                    </a:p>
+                  </a:txBody>
+                  <a:tcPr/>
+                </a:tc>
+                <a:tc>
+                  <a:txBody>
+                    <a:bodyPr/>
+                    <a:lstStyle/>
+                    <a:p>
+                      <a:endParaRPr lang="pt-BR"/>
+                    </a:p>
+                  </a:txBody>
+                  <a:tcPr/>
+                </a:tc>
+                <a:tc>
+                  <a:txBody>
+                    <a:bodyPr/>
+                    <a:lstStyle/>
+                    <a:p>
+                      <a:endParaRPr lang="pt-BR"/>
+                    </a:p>
+                  </a:txBody>
+                  <a:tcPr/>
+                </a:tc>
+                <a:tc>
+                  <a:txBody>
+                    <a:bodyPr/>
+                    <a:lstStyle/>
+                    <a:p>
+                      <a:endParaRPr lang="pt-BR"/>
+                    </a:p>
+                  </a:txBody>
+                  <a:tcPr/>
+                </a:tc>
+                <a:tc>
+                  <a:txBody>
+                    <a:bodyPr/>
+                    <a:lstStyle/>
+                    <a:p>
+                      <a:endParaRPr lang="pt-BR"/>
+                    </a:p>
+                  </a:txBody>
+                  <a:tcPr/>
+                </a:tc>
+                <a:tc>
+                  <a:txBody>
+                    <a:bodyPr/>
+                    <a:lstStyle/>
+                    <a:p>
+                      <a:endParaRPr lang="pt-BR"/>
+                    </a:p>
+                  </a:txBody>
+                  <a:tcPr/>
+                </a:tc>
+                <a:tc>
+                  <a:txBody>
+                    <a:bodyPr/>
+                    <a:lstStyle/>
+                    <a:p>
+                      <a:endParaRPr lang="pt-BR"/>
+                    </a:p>
+                  </a:txBody>
+                  <a:tcPr/>
+                </a:tc>
+                <a:extLst>
+                  <a:ext uri="{0D108BD9-81ED-4DB2-BD59-A6C34878D82A}">
+                    <a16:rowId xmlns:a16="http://schemas.microsoft.com/office/drawing/2014/main" val="1263570921"/>
+                  </a:ext>
+                </a:extLst>
+              </a:tr>
+              <a:tr h="555649">
+                <a:tc>
+                  <a:txBody>
+                    <a:bodyPr/>
+                    <a:lstStyle/>
+                    <a:p>
+                      <a:endParaRPr lang="pt-BR"/>
+                    </a:p>
+                  </a:txBody>
+                  <a:tcPr/>
+                </a:tc>
+                <a:tc>
+                  <a:txBody>
+                    <a:bodyPr/>
+                    <a:lstStyle/>
+                    <a:p>
+                      <a:endParaRPr lang="pt-BR"/>
+                    </a:p>
+                  </a:txBody>
+                  <a:tcPr/>
+                </a:tc>
+                <a:tc>
+                  <a:txBody>
+                    <a:bodyPr/>
+                    <a:lstStyle/>
+                    <a:p>
+                      <a:endParaRPr lang="pt-BR"/>
+                    </a:p>
+                  </a:txBody>
+                  <a:tcPr/>
+                </a:tc>
+                <a:tc>
+                  <a:txBody>
+                    <a:bodyPr/>
+                    <a:lstStyle/>
+                    <a:p>
+                      <a:endParaRPr lang="pt-BR"/>
+                    </a:p>
+                  </a:txBody>
+                  <a:tcPr/>
+                </a:tc>
+                <a:tc>
+                  <a:txBody>
+                    <a:bodyPr/>
+                    <a:lstStyle/>
+                    <a:p>
+                      <a:endParaRPr lang="pt-BR" dirty="0"/>
+                    </a:p>
+                  </a:txBody>
+                  <a:tcPr/>
+                </a:tc>
+                <a:tc>
+                  <a:txBody>
+                    <a:bodyPr/>
+                    <a:lstStyle/>
+                    <a:p>
+                      <a:endParaRPr lang="pt-BR"/>
+                    </a:p>
+                  </a:txBody>
+                  <a:tcPr/>
+                </a:tc>
+                <a:tc>
+                  <a:txBody>
+                    <a:bodyPr/>
+                    <a:lstStyle/>
+                    <a:p>
+                      <a:endParaRPr lang="pt-BR" dirty="0"/>
+                    </a:p>
+                  </a:txBody>
+                  <a:tcPr/>
+                </a:tc>
+                <a:tc>
+                  <a:txBody>
+                    <a:bodyPr/>
+                    <a:lstStyle/>
+                    <a:p>
+                      <a:endParaRPr lang="pt-BR"/>
+                    </a:p>
+                  </a:txBody>
+                  <a:tcPr/>
+                </a:tc>
+                <a:tc>
+                  <a:txBody>
+                    <a:bodyPr/>
+                    <a:lstStyle/>
+                    <a:p>
+                      <a:endParaRPr lang="pt-BR"/>
+                    </a:p>
+                  </a:txBody>
+                  <a:tcPr/>
+                </a:tc>
+                <a:tc>
+                  <a:txBody>
+                    <a:bodyPr/>
+                    <a:lstStyle/>
+                    <a:p>
+                      <a:endParaRPr lang="pt-BR" dirty="0"/>
+                    </a:p>
+                  </a:txBody>
+                  <a:tcPr/>
+                </a:tc>
+                <a:extLst>
+                  <a:ext uri="{0D108BD9-81ED-4DB2-BD59-A6C34878D82A}">
+                    <a16:rowId xmlns:a16="http://schemas.microsoft.com/office/drawing/2014/main" val="662475310"/>
+                  </a:ext>
+                </a:extLst>
+              </a:tr>
+              <a:tr h="555649">
+                <a:tc>
+                  <a:txBody>
+                    <a:bodyPr/>
+                    <a:lstStyle/>
+                    <a:p>
+                      <a:endParaRPr lang="pt-BR"/>
+                    </a:p>
+                  </a:txBody>
+                  <a:tcPr/>
+                </a:tc>
+                <a:tc>
+                  <a:txBody>
+                    <a:bodyPr/>
+                    <a:lstStyle/>
+                    <a:p>
+                      <a:endParaRPr lang="pt-BR"/>
+                    </a:p>
+                  </a:txBody>
+                  <a:tcPr/>
+                </a:tc>
+                <a:tc>
+                  <a:txBody>
+                    <a:bodyPr/>
+                    <a:lstStyle/>
+                    <a:p>
+                      <a:endParaRPr lang="pt-BR"/>
+                    </a:p>
+                  </a:txBody>
+                  <a:tcPr/>
+                </a:tc>
+                <a:tc>
+                  <a:txBody>
+                    <a:bodyPr/>
+                    <a:lstStyle/>
+                    <a:p>
+                      <a:endParaRPr lang="pt-BR"/>
+                    </a:p>
+                  </a:txBody>
+                  <a:tcPr/>
+                </a:tc>
+                <a:tc>
+                  <a:txBody>
+                    <a:bodyPr/>
+                    <a:lstStyle/>
+                    <a:p>
+                      <a:endParaRPr lang="pt-BR"/>
+                    </a:p>
+                  </a:txBody>
+                  <a:tcPr/>
+                </a:tc>
+                <a:tc>
+                  <a:txBody>
+                    <a:bodyPr/>
+                    <a:lstStyle/>
+                    <a:p>
+                      <a:endParaRPr lang="pt-BR"/>
+                    </a:p>
+                  </a:txBody>
+                  <a:tcPr/>
+                </a:tc>
+                <a:tc>
+                  <a:txBody>
+                    <a:bodyPr/>
+                    <a:lstStyle/>
+                    <a:p>
+                      <a:endParaRPr lang="pt-BR"/>
+                    </a:p>
+                  </a:txBody>
+                  <a:tcPr/>
+                </a:tc>
+                <a:tc>
+                  <a:txBody>
+                    <a:bodyPr/>
+                    <a:lstStyle/>
+                    <a:p>
+                      <a:endParaRPr lang="pt-BR"/>
+                    </a:p>
+                  </a:txBody>
+                  <a:tcPr/>
+                </a:tc>
+                <a:tc>
+                  <a:txBody>
+                    <a:bodyPr/>
+                    <a:lstStyle/>
+                    <a:p>
+                      <a:endParaRPr lang="pt-BR"/>
+                    </a:p>
+                  </a:txBody>
+                  <a:tcPr/>
+                </a:tc>
+                <a:tc>
+                  <a:txBody>
+                    <a:bodyPr/>
+                    <a:lstStyle/>
+                    <a:p>
+                      <a:endParaRPr lang="pt-BR"/>
+                    </a:p>
+                  </a:txBody>
+                  <a:tcPr/>
+                </a:tc>
+                <a:extLst>
+                  <a:ext uri="{0D108BD9-81ED-4DB2-BD59-A6C34878D82A}">
+                    <a16:rowId xmlns:a16="http://schemas.microsoft.com/office/drawing/2014/main" val="2565013216"/>
+                  </a:ext>
+                </a:extLst>
+              </a:tr>
+              <a:tr h="555649">
+                <a:tc>
+                  <a:txBody>
+                    <a:bodyPr/>
+                    <a:lstStyle/>
+                    <a:p>
+                      <a:endParaRPr lang="pt-BR"/>
+                    </a:p>
+                  </a:txBody>
+                  <a:tcPr/>
+                </a:tc>
+                <a:tc>
+                  <a:txBody>
+                    <a:bodyPr/>
+                    <a:lstStyle/>
+                    <a:p>
+                      <a:endParaRPr lang="pt-BR"/>
+                    </a:p>
+                  </a:txBody>
+                  <a:tcPr/>
+                </a:tc>
+                <a:tc>
+                  <a:txBody>
+                    <a:bodyPr/>
+                    <a:lstStyle/>
+                    <a:p>
+                      <a:endParaRPr lang="pt-BR"/>
+                    </a:p>
+                  </a:txBody>
+                  <a:tcPr/>
+                </a:tc>
+                <a:tc>
+                  <a:txBody>
+                    <a:bodyPr/>
+                    <a:lstStyle/>
+                    <a:p>
+                      <a:endParaRPr lang="pt-BR"/>
+                    </a:p>
+                  </a:txBody>
+                  <a:tcPr/>
+                </a:tc>
+                <a:tc>
+                  <a:txBody>
+                    <a:bodyPr/>
+                    <a:lstStyle/>
+                    <a:p>
+                      <a:endParaRPr lang="pt-BR"/>
+                    </a:p>
+                  </a:txBody>
+                  <a:tcPr/>
+                </a:tc>
+                <a:tc>
+                  <a:txBody>
+                    <a:bodyPr/>
+                    <a:lstStyle/>
+                    <a:p>
+                      <a:endParaRPr lang="pt-BR"/>
+                    </a:p>
+                  </a:txBody>
+                  <a:tcPr/>
+                </a:tc>
+                <a:tc>
+                  <a:txBody>
+                    <a:bodyPr/>
+                    <a:lstStyle/>
+                    <a:p>
+                      <a:endParaRPr lang="pt-BR"/>
+                    </a:p>
+                  </a:txBody>
+                  <a:tcPr/>
+                </a:tc>
+                <a:tc>
+                  <a:txBody>
+                    <a:bodyPr/>
+                    <a:lstStyle/>
+                    <a:p>
+                      <a:endParaRPr lang="pt-BR"/>
+                    </a:p>
+                  </a:txBody>
+                  <a:tcPr/>
+                </a:tc>
+                <a:tc>
+                  <a:txBody>
+                    <a:bodyPr/>
+                    <a:lstStyle/>
+                    <a:p>
+                      <a:endParaRPr lang="pt-BR"/>
+                    </a:p>
+                  </a:txBody>
+                  <a:tcPr/>
+                </a:tc>
+                <a:tc>
+                  <a:txBody>
+                    <a:bodyPr/>
+                    <a:lstStyle/>
+                    <a:p>
+                      <a:endParaRPr lang="pt-BR"/>
+                    </a:p>
+                  </a:txBody>
+                  <a:tcPr/>
+                </a:tc>
+                <a:extLst>
+                  <a:ext uri="{0D108BD9-81ED-4DB2-BD59-A6C34878D82A}">
+                    <a16:rowId xmlns:a16="http://schemas.microsoft.com/office/drawing/2014/main" val="3328745633"/>
+                  </a:ext>
+                </a:extLst>
+              </a:tr>
+              <a:tr h="555649">
+                <a:tc>
+                  <a:txBody>
+                    <a:bodyPr/>
+                    <a:lstStyle/>
+                    <a:p>
+                      <a:endParaRPr lang="pt-BR"/>
+                    </a:p>
+                  </a:txBody>
+                  <a:tcPr/>
+                </a:tc>
+                <a:tc>
+                  <a:txBody>
+                    <a:bodyPr/>
+                    <a:lstStyle/>
+                    <a:p>
+                      <a:endParaRPr lang="pt-BR"/>
+                    </a:p>
+                  </a:txBody>
+                  <a:tcPr/>
+                </a:tc>
+                <a:tc>
+                  <a:txBody>
+                    <a:bodyPr/>
+                    <a:lstStyle/>
+                    <a:p>
+                      <a:endParaRPr lang="pt-BR"/>
+                    </a:p>
+                  </a:txBody>
+                  <a:tcPr/>
+                </a:tc>
+                <a:tc>
+                  <a:txBody>
+                    <a:bodyPr/>
+                    <a:lstStyle/>
+                    <a:p>
+                      <a:endParaRPr lang="pt-BR"/>
+                    </a:p>
+                  </a:txBody>
+                  <a:tcPr/>
+                </a:tc>
+                <a:tc>
+                  <a:txBody>
+                    <a:bodyPr/>
+                    <a:lstStyle/>
+                    <a:p>
+                      <a:endParaRPr lang="pt-BR"/>
+                    </a:p>
+                  </a:txBody>
+                  <a:tcPr/>
+                </a:tc>
+                <a:tc>
+                  <a:txBody>
+                    <a:bodyPr/>
+                    <a:lstStyle/>
+                    <a:p>
+                      <a:endParaRPr lang="pt-BR"/>
+                    </a:p>
+                  </a:txBody>
+                  <a:tcPr/>
+                </a:tc>
+                <a:tc>
+                  <a:txBody>
+                    <a:bodyPr/>
+                    <a:lstStyle/>
+                    <a:p>
+                      <a:endParaRPr lang="pt-BR"/>
+                    </a:p>
+                  </a:txBody>
+                  <a:tcPr/>
+                </a:tc>
+                <a:tc>
+                  <a:txBody>
+                    <a:bodyPr/>
+                    <a:lstStyle/>
+                    <a:p>
+                      <a:endParaRPr lang="pt-BR"/>
+                    </a:p>
+                  </a:txBody>
+                  <a:tcPr/>
+                </a:tc>
+                <a:tc>
+                  <a:txBody>
+                    <a:bodyPr/>
+                    <a:lstStyle/>
+                    <a:p>
+                      <a:endParaRPr lang="pt-BR"/>
+                    </a:p>
+                  </a:txBody>
+                  <a:tcPr/>
+                </a:tc>
+                <a:tc>
+                  <a:txBody>
+                    <a:bodyPr/>
+                    <a:lstStyle/>
+                    <a:p>
+                      <a:endParaRPr lang="pt-BR" dirty="0"/>
+                    </a:p>
+                  </a:txBody>
+                  <a:tcPr/>
+                </a:tc>
+                <a:extLst>
+                  <a:ext uri="{0D108BD9-81ED-4DB2-BD59-A6C34878D82A}">
+                    <a16:rowId xmlns:a16="http://schemas.microsoft.com/office/drawing/2014/main" val="2921470368"/>
+                  </a:ext>
+                </a:extLst>
+              </a:tr>
+            </a:tbl>
+          </a:graphicData>
+        </a:graphic>
+      </p:graphicFrame>
+      <p:sp>
+        <p:nvSpPr>
+          <p:cNvPr id="7" name="Retângulo 6">
+            <a:extLst>
+              <a:ext uri="{FF2B5EF4-FFF2-40B4-BE49-F238E27FC236}">
+                <a16:creationId xmlns:a16="http://schemas.microsoft.com/office/drawing/2014/main" id="{3D4A691E-0D60-4533-8F85-BCDCBB0E5E9A}"/>
+              </a:ext>
+            </a:extLst>
+          </p:cNvPr>
+          <p:cNvSpPr/>
+          <p:nvPr/>
+        </p:nvSpPr>
+        <p:spPr>
+          <a:xfrm>
+            <a:off x="4664765" y="4161990"/>
+            <a:ext cx="2888974" cy="600635"/>
+          </a:xfrm>
+          <a:prstGeom prst="rect">
+            <a:avLst/>
+          </a:prstGeom>
+        </p:spPr>
+        <p:style>
+          <a:lnRef idx="2">
+            <a:schemeClr val="dk1"/>
+          </a:lnRef>
+          <a:fillRef idx="1">
+            <a:schemeClr val="lt1"/>
+          </a:fillRef>
+          <a:effectRef idx="0">
+            <a:schemeClr val="dk1"/>
+          </a:effectRef>
+          <a:fontRef idx="minor">
+            <a:schemeClr val="dk1"/>
+          </a:fontRef>
+        </p:style>
+        <p:txBody>
+          <a:bodyPr rtlCol="0" anchor="ctr"/>
+          <a:lstStyle/>
+          <a:p>
+            <a:pPr algn="ctr"/>
+            <a:r>
+              <a:rPr lang="pt-BR" dirty="0"/>
+              <a:t>Excluir pedido selecionado</a:t>
+            </a:r>
+          </a:p>
+        </p:txBody>
+      </p:sp>
+    </p:spTree>
+    <p:extLst>
+      <p:ext uri="{BB962C8B-B14F-4D97-AF65-F5344CB8AC3E}">
+        <p14:creationId xmlns:p14="http://schemas.microsoft.com/office/powerpoint/2010/main" val="1556679220"/>
+      </p:ext>
+    </p:extLst>
+  </p:cSld>
+  <p:clrMapOvr>
+    <a:masterClrMapping/>
+  </p:clrMapOvr>
+</p:sld>
+</file>
+
 <file path=ppt/theme/theme1.xml><?xml version="1.0" encoding="utf-8"?>
 <a:theme xmlns:a="http://schemas.openxmlformats.org/drawingml/2006/main" name="Tema do Office">
   <a:themeElements>
